--- a/Lectures/CS418-Lecture21-Compositing.pptx
+++ b/Lectures/CS418-Lecture21-Compositing.pptx
@@ -5,7 +5,7 @@
     <p:sldMasterId id="2147483648" r:id="rId1"/>
   </p:sldMasterIdLst>
   <p:notesMasterIdLst>
-    <p:notesMasterId r:id="rId43"/>
+    <p:notesMasterId r:id="rId41"/>
   </p:notesMasterIdLst>
   <p:sldIdLst>
     <p:sldId id="260" r:id="rId2"/>
@@ -27,28 +27,26 @@
     <p:sldId id="321" r:id="rId18"/>
     <p:sldId id="322" r:id="rId19"/>
     <p:sldId id="323" r:id="rId20"/>
-    <p:sldId id="324" r:id="rId21"/>
-    <p:sldId id="325" r:id="rId22"/>
-    <p:sldId id="326" r:id="rId23"/>
-    <p:sldId id="304" r:id="rId24"/>
-    <p:sldId id="305" r:id="rId25"/>
-    <p:sldId id="306" r:id="rId26"/>
-    <p:sldId id="307" r:id="rId27"/>
-    <p:sldId id="308" r:id="rId28"/>
-    <p:sldId id="309" r:id="rId29"/>
-    <p:sldId id="310" r:id="rId30"/>
-    <p:sldId id="329" r:id="rId31"/>
-    <p:sldId id="311" r:id="rId32"/>
-    <p:sldId id="312" r:id="rId33"/>
-    <p:sldId id="328" r:id="rId34"/>
-    <p:sldId id="300" r:id="rId35"/>
-    <p:sldId id="301" r:id="rId36"/>
-    <p:sldId id="302" r:id="rId37"/>
-    <p:sldId id="303" r:id="rId38"/>
-    <p:sldId id="331" r:id="rId39"/>
-    <p:sldId id="333" r:id="rId40"/>
-    <p:sldId id="332" r:id="rId41"/>
-    <p:sldId id="266" r:id="rId42"/>
+    <p:sldId id="325" r:id="rId21"/>
+    <p:sldId id="326" r:id="rId22"/>
+    <p:sldId id="304" r:id="rId23"/>
+    <p:sldId id="305" r:id="rId24"/>
+    <p:sldId id="306" r:id="rId25"/>
+    <p:sldId id="307" r:id="rId26"/>
+    <p:sldId id="308" r:id="rId27"/>
+    <p:sldId id="309" r:id="rId28"/>
+    <p:sldId id="310" r:id="rId29"/>
+    <p:sldId id="329" r:id="rId30"/>
+    <p:sldId id="311" r:id="rId31"/>
+    <p:sldId id="312" r:id="rId32"/>
+    <p:sldId id="328" r:id="rId33"/>
+    <p:sldId id="300" r:id="rId34"/>
+    <p:sldId id="301" r:id="rId35"/>
+    <p:sldId id="302" r:id="rId36"/>
+    <p:sldId id="303" r:id="rId37"/>
+    <p:sldId id="331" r:id="rId38"/>
+    <p:sldId id="333" r:id="rId39"/>
+    <p:sldId id="332" r:id="rId40"/>
   </p:sldIdLst>
   <p:sldSz cx="12192000" cy="6858000"/>
   <p:notesSz cx="6858000" cy="9144000"/>
@@ -608,57 +606,6 @@
     <p:extLst>
       <p:ext uri="{BB962C8B-B14F-4D97-AF65-F5344CB8AC3E}">
         <p14:creationId xmlns:p14="http://schemas.microsoft.com/office/powerpoint/2010/main" val="1809180994"/>
-      </p:ext>
-    </p:extLst>
-  </p:cSld>
-  <p:clrMapOvr>
-    <a:masterClrMapping/>
-  </p:clrMapOvr>
-</p:notes>
-</file>
-
-<file path=ppt/notesSlides/notesSlide11.xml><?xml version="1.0" encoding="utf-8"?>
-<p:notes xmlns:a="http://schemas.openxmlformats.org/drawingml/2006/main" xmlns:r="http://schemas.openxmlformats.org/officeDocument/2006/relationships" xmlns:p="http://schemas.openxmlformats.org/presentationml/2006/main">
-  <p:cSld>
-    <p:spTree>
-      <p:nvGrpSpPr>
-        <p:cNvPr id="1" name=""/>
-        <p:cNvGrpSpPr/>
-        <p:nvPr/>
-      </p:nvGrpSpPr>
-      <p:grpSpPr>
-        <a:xfrm>
-          <a:off x="0" y="0"/>
-          <a:ext cx="0" cy="0"/>
-          <a:chOff x="0" y="0"/>
-          <a:chExt cx="0" cy="0"/>
-        </a:xfrm>
-      </p:grpSpPr>
-      <p:sp>
-        <p:nvSpPr>
-          <p:cNvPr id="2" name="Notes Placeholder"/>
-          <p:cNvSpPr>
-            <a:spLocks noGrp="1"/>
-          </p:cNvSpPr>
-          <p:nvPr>
-            <p:ph type="body" idx="1"/>
-          </p:nvPr>
-        </p:nvSpPr>
-        <p:spPr/>
-        <p:txBody>
-          <a:bodyPr>
-            <a:normAutofit/>
-          </a:bodyPr>
-          <a:lstStyle/>
-          <a:p>
-            <a:endParaRPr/>
-          </a:p>
-        </p:txBody>
-      </p:sp>
-    </p:spTree>
-    <p:extLst>
-      <p:ext uri="{BB962C8B-B14F-4D97-AF65-F5344CB8AC3E}">
-        <p14:creationId xmlns:p14="http://schemas.microsoft.com/office/powerpoint/2010/main" val="3358543549"/>
       </p:ext>
     </p:extLst>
   </p:cSld>
@@ -4933,13 +4880,13 @@
             </p:nvSpPr>
             <p:spPr>
               <a:xfrm>
-                <a:off x="838200" y="1825625"/>
-                <a:ext cx="10515600" cy="4919124"/>
+                <a:off x="611698" y="1573749"/>
+                <a:ext cx="11191612" cy="4919124"/>
               </a:xfrm>
             </p:spPr>
             <p:txBody>
               <a:bodyPr>
-                <a:normAutofit lnSpcReduction="10000"/>
+                <a:normAutofit/>
               </a:bodyPr>
               <a:lstStyle/>
               <a:p>
@@ -4948,17 +4895,7 @@
                 </a:pPr>
                 <a:r>
                   <a:rPr lang="en-US" dirty="0"/>
-                  <a:t>Can blend using the over operator and pre-multiplied alpha</a:t>
-                </a:r>
-                <a:br>
-                  <a:rPr lang="en-US" dirty="0"/>
-                </a:br>
-                <a:endParaRPr lang="en-US" dirty="0"/>
-              </a:p>
-              <a:p>
-                <a:r>
-                  <a:rPr lang="en-US" dirty="0"/>
-                  <a:t>A color value is given by </a:t>
+                  <a:t>With pre-multiplied alpha, a color value is given by </a:t>
                 </a:r>
                 <a14:m>
                   <m:oMath xmlns:m="http://schemas.openxmlformats.org/officeDocument/2006/math">
@@ -5091,9 +5028,16 @@
                   <a:rPr lang="en-US" dirty="0"/>
                   <a:t>= non-pre-multiplied alpha</a:t>
                 </a:r>
+                <a:br>
+                  <a:rPr lang="en-US" dirty="0"/>
+                </a:br>
+                <a:endParaRPr lang="en-US" dirty="0"/>
               </a:p>
               <a:p>
-                <a:endParaRPr lang="en-US" dirty="0"/>
+                <a:r>
+                  <a:rPr lang="en-US" dirty="0"/>
+                  <a:t>Can blend using the over operator and pre-multiplied alpha</a:t>
+                </a:r>
               </a:p>
               <a:p>
                 <a:pPr marL="0" indent="0">
@@ -5317,13 +5261,13 @@
             </p:nvSpPr>
             <p:spPr>
               <a:xfrm>
-                <a:off x="838200" y="1825625"/>
-                <a:ext cx="10515600" cy="4919124"/>
+                <a:off x="611698" y="1573749"/>
+                <a:ext cx="11191612" cy="4919124"/>
               </a:xfrm>
               <a:blipFill>
                 <a:blip r:embed="rId2"/>
                 <a:stretch>
-                  <a:fillRect l="-1217" t="-2974" b="-1983"/>
+                  <a:fillRect l="-1089" t="-2230" b="-620"/>
                 </a:stretch>
               </a:blipFill>
             </p:spPr>
@@ -5364,7 +5308,7 @@
         </p:blipFill>
         <p:spPr>
           <a:xfrm>
-            <a:off x="955646" y="4375106"/>
+            <a:off x="896923" y="4033311"/>
             <a:ext cx="4781550" cy="742950"/>
           </a:xfrm>
           <a:prstGeom prst="rect">
@@ -9342,436 +9286,6 @@
           <a:p>
             <a:r>
               <a:rPr lang="en-US" dirty="0"/>
-              <a:t>Pre-multiplied Alpha</a:t>
-            </a:r>
-          </a:p>
-        </p:txBody>
-      </p:sp>
-      <p:sp>
-        <p:nvSpPr>
-          <p:cNvPr id="5" name="Content Placeholder 2"/>
-          <p:cNvSpPr txBox="1">
-            <a:spLocks/>
-          </p:cNvSpPr>
-          <p:nvPr/>
-        </p:nvSpPr>
-        <p:spPr>
-          <a:xfrm>
-            <a:off x="683087" y="3077169"/>
-            <a:ext cx="7533100" cy="585249"/>
-          </a:xfrm>
-          <a:prstGeom prst="rect">
-            <a:avLst/>
-          </a:prstGeom>
-          <a:ln>
-            <a:solidFill>
-              <a:schemeClr val="accent2"/>
-            </a:solidFill>
-          </a:ln>
-        </p:spPr>
-        <p:txBody>
-          <a:bodyPr vert="horz" lIns="91440" tIns="45720" rIns="91440" bIns="45720" rtlCol="0">
-            <a:normAutofit fontScale="92500" lnSpcReduction="10000"/>
-          </a:bodyPr>
-          <a:lstStyle>
-            <a:lvl1pPr marL="342900" indent="-342900" algn="l" defTabSz="914400" rtl="0" eaLnBrk="1" latinLnBrk="0" hangingPunct="1">
-              <a:spcBef>
-                <a:spcPts val="1000"/>
-              </a:spcBef>
-              <a:buClr>
-                <a:schemeClr val="accent2"/>
-              </a:buClr>
-              <a:buFont typeface="Wingdings 2" pitchFamily="18" charset="2"/>
-              <a:buChar char=""/>
-              <a:defRPr sz="2000" kern="1200">
-                <a:solidFill>
-                  <a:schemeClr val="tx1">
-                    <a:lumMod val="65000"/>
-                    <a:lumOff val="35000"/>
-                  </a:schemeClr>
-                </a:solidFill>
-                <a:latin typeface="+mn-lt"/>
-                <a:ea typeface="+mn-ea"/>
-                <a:cs typeface="+mn-cs"/>
-              </a:defRPr>
-            </a:lvl1pPr>
-            <a:lvl2pPr marL="685800" indent="-336550" algn="l" defTabSz="914400" rtl="0" eaLnBrk="1" latinLnBrk="0" hangingPunct="1">
-              <a:spcBef>
-                <a:spcPts val="600"/>
-              </a:spcBef>
-              <a:buClr>
-                <a:schemeClr val="accent3"/>
-              </a:buClr>
-              <a:buFont typeface="Wingdings 2" pitchFamily="18" charset="2"/>
-              <a:buChar char=""/>
-              <a:defRPr sz="1800" kern="1200">
-                <a:solidFill>
-                  <a:schemeClr val="tx1">
-                    <a:lumMod val="65000"/>
-                    <a:lumOff val="35000"/>
-                  </a:schemeClr>
-                </a:solidFill>
-                <a:latin typeface="+mn-lt"/>
-                <a:ea typeface="+mn-ea"/>
-                <a:cs typeface="+mn-cs"/>
-              </a:defRPr>
-            </a:lvl2pPr>
-            <a:lvl3pPr marL="1035050" indent="-349250" algn="l" defTabSz="914400" rtl="0" eaLnBrk="1" latinLnBrk="0" hangingPunct="1">
-              <a:spcBef>
-                <a:spcPts val="600"/>
-              </a:spcBef>
-              <a:buClr>
-                <a:schemeClr val="tx2"/>
-              </a:buClr>
-              <a:buFont typeface="Wingdings 2" pitchFamily="18" charset="2"/>
-              <a:buChar char=""/>
-              <a:defRPr sz="1800" kern="1200">
-                <a:solidFill>
-                  <a:schemeClr val="tx1">
-                    <a:lumMod val="65000"/>
-                    <a:lumOff val="35000"/>
-                  </a:schemeClr>
-                </a:solidFill>
-                <a:latin typeface="+mn-lt"/>
-                <a:ea typeface="+mn-ea"/>
-                <a:cs typeface="+mn-cs"/>
-              </a:defRPr>
-            </a:lvl3pPr>
-            <a:lvl4pPr marL="1371600" indent="-336550" algn="l" defTabSz="914400" rtl="0" eaLnBrk="1" latinLnBrk="0" hangingPunct="1">
-              <a:spcBef>
-                <a:spcPts val="600"/>
-              </a:spcBef>
-              <a:buClr>
-                <a:schemeClr val="accent2"/>
-              </a:buClr>
-              <a:buFont typeface="Wingdings 2" pitchFamily="18" charset="2"/>
-              <a:buChar char=""/>
-              <a:defRPr sz="1800" kern="1200">
-                <a:solidFill>
-                  <a:schemeClr val="tx1">
-                    <a:lumMod val="65000"/>
-                    <a:lumOff val="35000"/>
-                  </a:schemeClr>
-                </a:solidFill>
-                <a:latin typeface="+mn-lt"/>
-                <a:ea typeface="+mn-ea"/>
-                <a:cs typeface="+mn-cs"/>
-              </a:defRPr>
-            </a:lvl4pPr>
-            <a:lvl5pPr marL="1720850" indent="-349250" algn="l" defTabSz="914400" rtl="0" eaLnBrk="1" latinLnBrk="0" hangingPunct="1">
-              <a:spcBef>
-                <a:spcPts val="600"/>
-              </a:spcBef>
-              <a:buClr>
-                <a:schemeClr val="accent3"/>
-              </a:buClr>
-              <a:buFont typeface="Wingdings 2" pitchFamily="18" charset="2"/>
-              <a:buChar char=""/>
-              <a:defRPr sz="1800" kern="1200">
-                <a:solidFill>
-                  <a:schemeClr val="tx1">
-                    <a:lumMod val="65000"/>
-                    <a:lumOff val="35000"/>
-                  </a:schemeClr>
-                </a:solidFill>
-                <a:latin typeface="+mn-lt"/>
-                <a:ea typeface="+mn-ea"/>
-                <a:cs typeface="+mn-cs"/>
-              </a:defRPr>
-            </a:lvl5pPr>
-            <a:lvl6pPr marL="2055813" indent="-344488" algn="l" defTabSz="914400" rtl="0" eaLnBrk="1" latinLnBrk="0" hangingPunct="1">
-              <a:spcBef>
-                <a:spcPct val="20000"/>
-              </a:spcBef>
-              <a:buClr>
-                <a:schemeClr val="accent1">
-                  <a:lumMod val="50000"/>
-                </a:schemeClr>
-              </a:buClr>
-              <a:buFont typeface="Wingdings 2" pitchFamily="18" charset="2"/>
-              <a:buChar char=""/>
-              <a:defRPr lang="en-US" sz="1800" kern="1200" dirty="0" smtClean="0">
-                <a:solidFill>
-                  <a:schemeClr val="tx1">
-                    <a:lumMod val="65000"/>
-                    <a:lumOff val="35000"/>
-                  </a:schemeClr>
-                </a:solidFill>
-                <a:latin typeface="+mn-lt"/>
-                <a:ea typeface="+mn-ea"/>
-                <a:cs typeface="+mn-cs"/>
-              </a:defRPr>
-            </a:lvl6pPr>
-            <a:lvl7pPr marL="2398713" indent="-344488" algn="l" defTabSz="914400" rtl="0" eaLnBrk="1" latinLnBrk="0" hangingPunct="1">
-              <a:spcBef>
-                <a:spcPct val="20000"/>
-              </a:spcBef>
-              <a:buClr>
-                <a:schemeClr val="accent1"/>
-              </a:buClr>
-              <a:buFont typeface="Wingdings 2" pitchFamily="18" charset="2"/>
-              <a:buChar char=""/>
-              <a:defRPr lang="en-US" sz="1800" kern="1200" dirty="0" smtClean="0">
-                <a:solidFill>
-                  <a:schemeClr val="tx1">
-                    <a:lumMod val="65000"/>
-                    <a:lumOff val="35000"/>
-                  </a:schemeClr>
-                </a:solidFill>
-                <a:latin typeface="+mn-lt"/>
-                <a:ea typeface="+mn-ea"/>
-                <a:cs typeface="+mn-cs"/>
-              </a:defRPr>
-            </a:lvl7pPr>
-            <a:lvl8pPr marL="2743200" indent="-344488" algn="l" defTabSz="914400" rtl="0" eaLnBrk="1" latinLnBrk="0" hangingPunct="1">
-              <a:spcBef>
-                <a:spcPct val="20000"/>
-              </a:spcBef>
-              <a:buClr>
-                <a:schemeClr val="accent1">
-                  <a:lumMod val="50000"/>
-                </a:schemeClr>
-              </a:buClr>
-              <a:buFont typeface="Wingdings 2" pitchFamily="18" charset="2"/>
-              <a:buChar char=""/>
-              <a:defRPr lang="en-US" sz="1800" kern="1200" dirty="0" smtClean="0">
-                <a:solidFill>
-                  <a:schemeClr val="tx1">
-                    <a:lumMod val="65000"/>
-                    <a:lumOff val="35000"/>
-                  </a:schemeClr>
-                </a:solidFill>
-                <a:latin typeface="+mn-lt"/>
-                <a:ea typeface="+mn-ea"/>
-                <a:cs typeface="+mn-cs"/>
-              </a:defRPr>
-            </a:lvl8pPr>
-            <a:lvl9pPr marL="3087688" indent="-344488" algn="l" defTabSz="914400" rtl="0" eaLnBrk="1" latinLnBrk="0" hangingPunct="1">
-              <a:spcBef>
-                <a:spcPct val="20000"/>
-              </a:spcBef>
-              <a:buClr>
-                <a:schemeClr val="accent1"/>
-              </a:buClr>
-              <a:buFont typeface="Wingdings 2" pitchFamily="18" charset="2"/>
-              <a:buChar char=""/>
-              <a:defRPr lang="en-US" sz="1800" kern="1200" dirty="0">
-                <a:solidFill>
-                  <a:schemeClr val="tx1">
-                    <a:lumMod val="65000"/>
-                    <a:lumOff val="35000"/>
-                  </a:schemeClr>
-                </a:solidFill>
-                <a:latin typeface="+mn-lt"/>
-                <a:ea typeface="+mn-ea"/>
-                <a:cs typeface="+mn-cs"/>
-              </a:defRPr>
-            </a:lvl9pPr>
-          </a:lstStyle>
-          <a:p>
-            <a:pPr marL="0" indent="0">
-              <a:buNone/>
-            </a:pPr>
-            <a:br>
-              <a:rPr lang="en-US" sz="1800" dirty="0">
-                <a:latin typeface="Courier New"/>
-                <a:cs typeface="Courier New"/>
-              </a:rPr>
-            </a:br>
-            <a:r>
-              <a:rPr lang="en-US" sz="1800" dirty="0" err="1">
-                <a:latin typeface="Courier New"/>
-                <a:cs typeface="Courier New"/>
-              </a:rPr>
-              <a:t>gl.blendFunc</a:t>
-            </a:r>
-            <a:r>
-              <a:rPr lang="en-US" sz="1800" dirty="0">
-                <a:latin typeface="Courier New"/>
-                <a:cs typeface="Courier New"/>
-              </a:rPr>
-              <a:t>(</a:t>
-            </a:r>
-            <a:r>
-              <a:rPr lang="en-US" sz="1800" dirty="0" err="1">
-                <a:latin typeface="Courier New"/>
-                <a:cs typeface="Courier New"/>
-              </a:rPr>
-              <a:t>gl.ONE</a:t>
-            </a:r>
-            <a:r>
-              <a:rPr lang="en-US" sz="1800" dirty="0">
-                <a:latin typeface="Courier New"/>
-                <a:cs typeface="Courier New"/>
-              </a:rPr>
-              <a:t>,  </a:t>
-            </a:r>
-            <a:r>
-              <a:rPr lang="en-US" sz="1800" dirty="0" err="1">
-                <a:latin typeface="Courier New"/>
-                <a:cs typeface="Courier New"/>
-              </a:rPr>
-              <a:t>gl.ONE_MINUS_SRC_ALPHA</a:t>
-            </a:r>
-            <a:r>
-              <a:rPr lang="en-US" sz="1800" dirty="0">
-                <a:latin typeface="Courier New"/>
-                <a:cs typeface="Courier New"/>
-              </a:rPr>
-              <a:t>);</a:t>
-            </a:r>
-          </a:p>
-        </p:txBody>
-      </p:sp>
-      <p:sp>
-        <p:nvSpPr>
-          <p:cNvPr id="7" name="Content Placeholder 6"/>
-          <p:cNvSpPr>
-            <a:spLocks noGrp="1"/>
-          </p:cNvSpPr>
-          <p:nvPr>
-            <p:ph idx="1"/>
-          </p:nvPr>
-        </p:nvSpPr>
-        <p:spPr>
-          <a:xfrm>
-            <a:off x="369284" y="1910802"/>
-            <a:ext cx="9273032" cy="3503232"/>
-          </a:xfrm>
-        </p:spPr>
-        <p:txBody>
-          <a:bodyPr>
-            <a:normAutofit fontScale="85000" lnSpcReduction="20000"/>
-          </a:bodyPr>
-          <a:lstStyle/>
-          <a:p>
-            <a:r>
-              <a:rPr lang="en-US" dirty="0"/>
-              <a:t>Non-pre-multiplied alpha example: (1.0, 0.0, 0.0, 0.5)</a:t>
-            </a:r>
-          </a:p>
-          <a:p>
-            <a:r>
-              <a:rPr lang="en-US" dirty="0"/>
-              <a:t>Pre-multiplied alpha example: (0.5, 0.0, 0.0, 0.5)</a:t>
-            </a:r>
-          </a:p>
-          <a:p>
-            <a:r>
-              <a:rPr lang="en-US" dirty="0"/>
-              <a:t>For blending use:</a:t>
-            </a:r>
-            <a:br>
-              <a:rPr lang="en-US" dirty="0"/>
-            </a:br>
-            <a:br>
-              <a:rPr lang="en-US" dirty="0"/>
-            </a:br>
-            <a:br>
-              <a:rPr lang="en-US" dirty="0"/>
-            </a:br>
-            <a:endParaRPr lang="en-US" dirty="0"/>
-          </a:p>
-          <a:p>
-            <a:r>
-              <a:rPr lang="en-US" dirty="0"/>
-              <a:t>PNG images use non-pre-</a:t>
-            </a:r>
-            <a:r>
-              <a:rPr lang="en-US" dirty="0" err="1"/>
-              <a:t>multipled</a:t>
-            </a:r>
-            <a:r>
-              <a:rPr lang="en-US" dirty="0"/>
-              <a:t> alpha</a:t>
-            </a:r>
-          </a:p>
-          <a:p>
-            <a:pPr lvl="1"/>
-            <a:r>
-              <a:rPr lang="en-US" dirty="0"/>
-              <a:t>in case you are loading colors from an image</a:t>
-            </a:r>
-          </a:p>
-          <a:p>
-            <a:pPr lvl="1"/>
-            <a:r>
-              <a:rPr lang="en-US" dirty="0"/>
-              <a:t>When you load use </a:t>
-            </a:r>
-            <a:r>
-              <a:rPr lang="en-US" dirty="0" err="1"/>
-              <a:t>gl.UNPACK_PREMULTIPLY_ALPHA_WEBGL</a:t>
-            </a:r>
-            <a:br>
-              <a:rPr lang="en-US" dirty="0"/>
-            </a:br>
-            <a:endParaRPr lang="en-US" dirty="0"/>
-          </a:p>
-          <a:p>
-            <a:r>
-              <a:rPr lang="en-US" dirty="0"/>
-              <a:t>You should use pre-multiplied alpha in your code</a:t>
-            </a:r>
-          </a:p>
-          <a:p>
-            <a:pPr marL="457200" lvl="1" indent="0">
-              <a:buNone/>
-            </a:pPr>
-            <a:endParaRPr lang="en-US" dirty="0"/>
-          </a:p>
-          <a:p>
-            <a:endParaRPr lang="en-US" dirty="0"/>
-          </a:p>
-        </p:txBody>
-      </p:sp>
-    </p:spTree>
-    <p:extLst>
-      <p:ext uri="{BB962C8B-B14F-4D97-AF65-F5344CB8AC3E}">
-        <p14:creationId xmlns:p14="http://schemas.microsoft.com/office/powerpoint/2010/main" val="3716328349"/>
-      </p:ext>
-    </p:extLst>
-  </p:cSld>
-  <p:clrMapOvr>
-    <a:masterClrMapping/>
-  </p:clrMapOvr>
-</p:sld>
-</file>
-
-<file path=ppt/slides/slide21.xml><?xml version="1.0" encoding="utf-8"?>
-<p:sld xmlns:a="http://schemas.openxmlformats.org/drawingml/2006/main" xmlns:r="http://schemas.openxmlformats.org/officeDocument/2006/relationships" xmlns:p="http://schemas.openxmlformats.org/presentationml/2006/main">
-  <p:cSld>
-    <p:spTree>
-      <p:nvGrpSpPr>
-        <p:cNvPr id="1" name=""/>
-        <p:cNvGrpSpPr/>
-        <p:nvPr/>
-      </p:nvGrpSpPr>
-      <p:grpSpPr>
-        <a:xfrm>
-          <a:off x="0" y="0"/>
-          <a:ext cx="0" cy="0"/>
-          <a:chOff x="0" y="0"/>
-          <a:chExt cx="0" cy="0"/>
-        </a:xfrm>
-      </p:grpSpPr>
-      <p:sp>
-        <p:nvSpPr>
-          <p:cNvPr id="2" name="Title 1"/>
-          <p:cNvSpPr>
-            <a:spLocks noGrp="1"/>
-          </p:cNvSpPr>
-          <p:nvPr>
-            <p:ph type="title"/>
-          </p:nvPr>
-        </p:nvSpPr>
-        <p:spPr/>
-        <p:txBody>
-          <a:bodyPr/>
-          <a:lstStyle/>
-          <a:p>
-            <a:r>
-              <a:rPr lang="en-US" dirty="0"/>
               <a:t>Blending and Drawing Order</a:t>
             </a:r>
           </a:p>
@@ -10199,7 +9713,7 @@
 </p:sld>
 </file>
 
-<file path=ppt/slides/slide22.xml><?xml version="1.0" encoding="utf-8"?>
+<file path=ppt/slides/slide21.xml><?xml version="1.0" encoding="utf-8"?>
 <p:sld xmlns:a="http://schemas.openxmlformats.org/drawingml/2006/main" xmlns:r="http://schemas.openxmlformats.org/officeDocument/2006/relationships" xmlns:p="http://schemas.openxmlformats.org/presentationml/2006/main">
   <p:cSld>
     <p:spTree>
@@ -10283,7 +9797,7 @@
 </p:sld>
 </file>
 
-<file path=ppt/slides/slide23.xml><?xml version="1.0" encoding="utf-8"?>
+<file path=ppt/slides/slide22.xml><?xml version="1.0" encoding="utf-8"?>
 <p:sld xmlns:a="http://schemas.openxmlformats.org/drawingml/2006/main" xmlns:r="http://schemas.openxmlformats.org/officeDocument/2006/relationships" xmlns:p="http://schemas.openxmlformats.org/presentationml/2006/main">
   <p:cSld>
     <p:spTree>
@@ -10419,7 +9933,7 @@
 </p:sld>
 </file>
 
-<file path=ppt/slides/slide24.xml><?xml version="1.0" encoding="utf-8"?>
+<file path=ppt/slides/slide23.xml><?xml version="1.0" encoding="utf-8"?>
 <p:sld xmlns:a="http://schemas.openxmlformats.org/drawingml/2006/main" xmlns:r="http://schemas.openxmlformats.org/officeDocument/2006/relationships" xmlns:p="http://schemas.openxmlformats.org/presentationml/2006/main">
   <p:cSld>
     <p:spTree>
@@ -10580,7 +10094,7 @@
 </p:sld>
 </file>
 
-<file path=ppt/slides/slide25.xml><?xml version="1.0" encoding="utf-8"?>
+<file path=ppt/slides/slide24.xml><?xml version="1.0" encoding="utf-8"?>
 <p:sld xmlns:a="http://schemas.openxmlformats.org/drawingml/2006/main" xmlns:r="http://schemas.openxmlformats.org/officeDocument/2006/relationships" xmlns:p="http://schemas.openxmlformats.org/presentationml/2006/main">
   <p:cSld>
     <p:spTree>
@@ -15029,7 +14543,7 @@
 </p:sld>
 </file>
 
-<file path=ppt/slides/slide26.xml><?xml version="1.0" encoding="utf-8"?>
+<file path=ppt/slides/slide25.xml><?xml version="1.0" encoding="utf-8"?>
 <p:sld xmlns:a="http://schemas.openxmlformats.org/drawingml/2006/main" xmlns:r="http://schemas.openxmlformats.org/officeDocument/2006/relationships" xmlns:p="http://schemas.openxmlformats.org/presentationml/2006/main">
   <p:cSld>
     <p:spTree>
@@ -19747,7 +19261,7 @@
 </p:sld>
 </file>
 
-<file path=ppt/slides/slide27.xml><?xml version="1.0" encoding="utf-8"?>
+<file path=ppt/slides/slide26.xml><?xml version="1.0" encoding="utf-8"?>
 <p:sld xmlns:a="http://schemas.openxmlformats.org/drawingml/2006/main" xmlns:r="http://schemas.openxmlformats.org/officeDocument/2006/relationships" xmlns:p="http://schemas.openxmlformats.org/presentationml/2006/main">
   <p:cSld>
     <p:spTree>
@@ -24466,7 +23980,7 @@
 </p:sld>
 </file>
 
-<file path=ppt/slides/slide28.xml><?xml version="1.0" encoding="utf-8"?>
+<file path=ppt/slides/slide27.xml><?xml version="1.0" encoding="utf-8"?>
 <p:sld xmlns:a="http://schemas.openxmlformats.org/drawingml/2006/main" xmlns:r="http://schemas.openxmlformats.org/officeDocument/2006/relationships" xmlns:p="http://schemas.openxmlformats.org/presentationml/2006/main">
   <p:cSld>
     <p:spTree>
@@ -28287,7 +27801,7 @@
 </p:sld>
 </file>
 
-<file path=ppt/slides/slide29.xml><?xml version="1.0" encoding="utf-8"?>
+<file path=ppt/slides/slide28.xml><?xml version="1.0" encoding="utf-8"?>
 <p:sld xmlns:a="http://schemas.openxmlformats.org/drawingml/2006/main" xmlns:r="http://schemas.openxmlformats.org/officeDocument/2006/relationships" xmlns:p="http://schemas.openxmlformats.org/presentationml/2006/main">
   <p:cSld>
     <p:spTree>
@@ -28598,88 +28112,7 @@
 </p:sld>
 </file>
 
-<file path=ppt/slides/slide3.xml><?xml version="1.0" encoding="utf-8"?>
-<p:sld xmlns:a="http://schemas.openxmlformats.org/drawingml/2006/main" xmlns:r="http://schemas.openxmlformats.org/officeDocument/2006/relationships" xmlns:p="http://schemas.openxmlformats.org/presentationml/2006/main">
-  <p:cSld>
-    <p:spTree>
-      <p:nvGrpSpPr>
-        <p:cNvPr id="1" name=""/>
-        <p:cNvGrpSpPr/>
-        <p:nvPr/>
-      </p:nvGrpSpPr>
-      <p:grpSpPr>
-        <a:xfrm>
-          <a:off x="0" y="0"/>
-          <a:ext cx="0" cy="0"/>
-          <a:chOff x="0" y="0"/>
-          <a:chExt cx="0" cy="0"/>
-        </a:xfrm>
-      </p:grpSpPr>
-      <p:sp>
-        <p:nvSpPr>
-          <p:cNvPr id="2" name="Title 1"/>
-          <p:cNvSpPr>
-            <a:spLocks noGrp="1"/>
-          </p:cNvSpPr>
-          <p:nvPr>
-            <p:ph type="title"/>
-          </p:nvPr>
-        </p:nvSpPr>
-        <p:spPr/>
-        <p:txBody>
-          <a:bodyPr/>
-          <a:lstStyle/>
-          <a:p>
-            <a:r>
-              <a:rPr lang="en-US" dirty="0"/>
-              <a:t>Compositing Example</a:t>
-            </a:r>
-          </a:p>
-        </p:txBody>
-      </p:sp>
-      <p:pic>
-        <p:nvPicPr>
-          <p:cNvPr id="4" name="Content Placeholder 3"/>
-          <p:cNvPicPr>
-            <a:picLocks noGrp="1" noChangeAspect="1"/>
-          </p:cNvPicPr>
-          <p:nvPr>
-            <p:ph idx="1"/>
-          </p:nvPr>
-        </p:nvPicPr>
-        <p:blipFill>
-          <a:blip r:embed="rId2">
-            <a:extLst>
-              <a:ext uri="{28A0092B-C50C-407E-A947-70E740481C1C}">
-                <a14:useLocalDpi xmlns:a14="http://schemas.microsoft.com/office/drawing/2010/main" val="0"/>
-              </a:ext>
-            </a:extLst>
-          </a:blip>
-          <a:stretch>
-            <a:fillRect/>
-          </a:stretch>
-        </p:blipFill>
-        <p:spPr>
-          <a:xfrm>
-            <a:off x="2975020" y="1570604"/>
-            <a:ext cx="5694249" cy="4695259"/>
-          </a:xfrm>
-        </p:spPr>
-      </p:pic>
-    </p:spTree>
-    <p:extLst>
-      <p:ext uri="{BB962C8B-B14F-4D97-AF65-F5344CB8AC3E}">
-        <p14:creationId xmlns:p14="http://schemas.microsoft.com/office/powerpoint/2010/main" val="1482268437"/>
-      </p:ext>
-    </p:extLst>
-  </p:cSld>
-  <p:clrMapOvr>
-    <a:masterClrMapping/>
-  </p:clrMapOvr>
-</p:sld>
-</file>
-
-<file path=ppt/slides/slide30.xml><?xml version="1.0" encoding="utf-8"?>
+<file path=ppt/slides/slide29.xml><?xml version="1.0" encoding="utf-8"?>
 <p:sld xmlns:a="http://schemas.openxmlformats.org/drawingml/2006/main" xmlns:r="http://schemas.openxmlformats.org/officeDocument/2006/relationships" xmlns:p="http://schemas.openxmlformats.org/presentationml/2006/main">
   <p:cSld>
     <p:spTree>
@@ -28829,7 +28262,88 @@
 </p:sld>
 </file>
 
-<file path=ppt/slides/slide31.xml><?xml version="1.0" encoding="utf-8"?>
+<file path=ppt/slides/slide3.xml><?xml version="1.0" encoding="utf-8"?>
+<p:sld xmlns:a="http://schemas.openxmlformats.org/drawingml/2006/main" xmlns:r="http://schemas.openxmlformats.org/officeDocument/2006/relationships" xmlns:p="http://schemas.openxmlformats.org/presentationml/2006/main">
+  <p:cSld>
+    <p:spTree>
+      <p:nvGrpSpPr>
+        <p:cNvPr id="1" name=""/>
+        <p:cNvGrpSpPr/>
+        <p:nvPr/>
+      </p:nvGrpSpPr>
+      <p:grpSpPr>
+        <a:xfrm>
+          <a:off x="0" y="0"/>
+          <a:ext cx="0" cy="0"/>
+          <a:chOff x="0" y="0"/>
+          <a:chExt cx="0" cy="0"/>
+        </a:xfrm>
+      </p:grpSpPr>
+      <p:sp>
+        <p:nvSpPr>
+          <p:cNvPr id="2" name="Title 1"/>
+          <p:cNvSpPr>
+            <a:spLocks noGrp="1"/>
+          </p:cNvSpPr>
+          <p:nvPr>
+            <p:ph type="title"/>
+          </p:nvPr>
+        </p:nvSpPr>
+        <p:spPr/>
+        <p:txBody>
+          <a:bodyPr/>
+          <a:lstStyle/>
+          <a:p>
+            <a:r>
+              <a:rPr lang="en-US" dirty="0"/>
+              <a:t>Compositing Example</a:t>
+            </a:r>
+          </a:p>
+        </p:txBody>
+      </p:sp>
+      <p:pic>
+        <p:nvPicPr>
+          <p:cNvPr id="4" name="Content Placeholder 3"/>
+          <p:cNvPicPr>
+            <a:picLocks noGrp="1" noChangeAspect="1"/>
+          </p:cNvPicPr>
+          <p:nvPr>
+            <p:ph idx="1"/>
+          </p:nvPr>
+        </p:nvPicPr>
+        <p:blipFill>
+          <a:blip r:embed="rId2">
+            <a:extLst>
+              <a:ext uri="{28A0092B-C50C-407E-A947-70E740481C1C}">
+                <a14:useLocalDpi xmlns:a14="http://schemas.microsoft.com/office/drawing/2010/main" val="0"/>
+              </a:ext>
+            </a:extLst>
+          </a:blip>
+          <a:stretch>
+            <a:fillRect/>
+          </a:stretch>
+        </p:blipFill>
+        <p:spPr>
+          <a:xfrm>
+            <a:off x="2975020" y="1570604"/>
+            <a:ext cx="5694249" cy="4695259"/>
+          </a:xfrm>
+        </p:spPr>
+      </p:pic>
+    </p:spTree>
+    <p:extLst>
+      <p:ext uri="{BB962C8B-B14F-4D97-AF65-F5344CB8AC3E}">
+        <p14:creationId xmlns:p14="http://schemas.microsoft.com/office/powerpoint/2010/main" val="1482268437"/>
+      </p:ext>
+    </p:extLst>
+  </p:cSld>
+  <p:clrMapOvr>
+    <a:masterClrMapping/>
+  </p:clrMapOvr>
+</p:sld>
+</file>
+
+<file path=ppt/slides/slide30.xml><?xml version="1.0" encoding="utf-8"?>
 <p:sld xmlns:a="http://schemas.openxmlformats.org/drawingml/2006/main" xmlns:r="http://schemas.openxmlformats.org/officeDocument/2006/relationships" xmlns:p="http://schemas.openxmlformats.org/presentationml/2006/main">
   <p:cSld>
     <p:spTree>
@@ -28969,7 +28483,7 @@
 </p:sld>
 </file>
 
-<file path=ppt/slides/slide32.xml><?xml version="1.0" encoding="utf-8"?>
+<file path=ppt/slides/slide31.xml><?xml version="1.0" encoding="utf-8"?>
 <p:sld xmlns:a="http://schemas.openxmlformats.org/drawingml/2006/main" xmlns:r="http://schemas.openxmlformats.org/officeDocument/2006/relationships" xmlns:p="http://schemas.openxmlformats.org/presentationml/2006/main">
   <p:cSld>
     <p:spTree>
@@ -29132,7 +28646,7 @@
 </p:sld>
 </file>
 
-<file path=ppt/slides/slide33.xml><?xml version="1.0" encoding="utf-8"?>
+<file path=ppt/slides/slide32.xml><?xml version="1.0" encoding="utf-8"?>
 <p:sld xmlns:a="http://schemas.openxmlformats.org/drawingml/2006/main" xmlns:r="http://schemas.openxmlformats.org/officeDocument/2006/relationships" xmlns:p="http://schemas.openxmlformats.org/presentationml/2006/main">
   <p:cSld>
     <p:spTree>
@@ -29361,7 +28875,7 @@
 </p:sld>
 </file>
 
-<file path=ppt/slides/slide34.xml><?xml version="1.0" encoding="utf-8"?>
+<file path=ppt/slides/slide33.xml><?xml version="1.0" encoding="utf-8"?>
 <p:sld xmlns:a="http://schemas.openxmlformats.org/drawingml/2006/main" xmlns:r="http://schemas.openxmlformats.org/officeDocument/2006/relationships" xmlns:p="http://schemas.openxmlformats.org/presentationml/2006/main">
   <p:cSld>
     <p:spTree>
@@ -30204,7 +29718,7 @@
 </p:sld>
 </file>
 
-<file path=ppt/slides/slide35.xml><?xml version="1.0" encoding="utf-8"?>
+<file path=ppt/slides/slide34.xml><?xml version="1.0" encoding="utf-8"?>
 <p:sld xmlns:a="http://schemas.openxmlformats.org/drawingml/2006/main" xmlns:r="http://schemas.openxmlformats.org/officeDocument/2006/relationships" xmlns:p="http://schemas.openxmlformats.org/presentationml/2006/main">
   <p:cSld>
     <p:spTree>
@@ -32167,7 +31681,7 @@
 </p:sld>
 </file>
 
-<file path=ppt/slides/slide36.xml><?xml version="1.0" encoding="utf-8"?>
+<file path=ppt/slides/slide35.xml><?xml version="1.0" encoding="utf-8"?>
 <p:sld xmlns:a="http://schemas.openxmlformats.org/drawingml/2006/main" xmlns:r="http://schemas.openxmlformats.org/officeDocument/2006/relationships" xmlns:p="http://schemas.openxmlformats.org/presentationml/2006/main">
   <p:cSld>
     <p:spTree>
@@ -32367,7 +31881,7 @@
 </p:sld>
 </file>
 
-<file path=ppt/slides/slide37.xml><?xml version="1.0" encoding="utf-8"?>
+<file path=ppt/slides/slide36.xml><?xml version="1.0" encoding="utf-8"?>
 <p:sld xmlns:a="http://schemas.openxmlformats.org/drawingml/2006/main" xmlns:r="http://schemas.openxmlformats.org/officeDocument/2006/relationships" xmlns:p="http://schemas.openxmlformats.org/presentationml/2006/main">
   <p:cSld>
     <p:spTree>
@@ -32515,7 +32029,7 @@
 </p:sld>
 </file>
 
-<file path=ppt/slides/slide38.xml><?xml version="1.0" encoding="utf-8"?>
+<file path=ppt/slides/slide37.xml><?xml version="1.0" encoding="utf-8"?>
 <p:sld xmlns:a="http://schemas.openxmlformats.org/drawingml/2006/main" xmlns:r="http://schemas.openxmlformats.org/officeDocument/2006/relationships" xmlns:p="http://schemas.openxmlformats.org/presentationml/2006/main">
   <p:cSld>
     <p:spTree>
@@ -32729,7 +32243,7 @@
 </p:sld>
 </file>
 
-<file path=ppt/slides/slide39.xml><?xml version="1.0" encoding="utf-8"?>
+<file path=ppt/slides/slide38.xml><?xml version="1.0" encoding="utf-8"?>
 <p:sld xmlns:a="http://schemas.openxmlformats.org/drawingml/2006/main" xmlns:r="http://schemas.openxmlformats.org/officeDocument/2006/relationships" xmlns:p="http://schemas.openxmlformats.org/presentationml/2006/main">
   <p:cSld>
     <p:spTree>
@@ -32947,910 +32461,7 @@
 </p:sld>
 </file>
 
-<file path=ppt/slides/slide4.xml><?xml version="1.0" encoding="utf-8"?>
-<p:sld xmlns:a="http://schemas.openxmlformats.org/drawingml/2006/main" xmlns:r="http://schemas.openxmlformats.org/officeDocument/2006/relationships" xmlns:p="http://schemas.openxmlformats.org/presentationml/2006/main">
-  <p:cSld>
-    <p:spTree>
-      <p:nvGrpSpPr>
-        <p:cNvPr id="1" name=""/>
-        <p:cNvGrpSpPr/>
-        <p:nvPr/>
-      </p:nvGrpSpPr>
-      <p:grpSpPr>
-        <a:xfrm>
-          <a:off x="0" y="0"/>
-          <a:ext cx="0" cy="0"/>
-          <a:chOff x="0" y="0"/>
-          <a:chExt cx="0" cy="0"/>
-        </a:xfrm>
-      </p:grpSpPr>
-      <p:sp>
-        <p:nvSpPr>
-          <p:cNvPr id="2" name="object 2"/>
-          <p:cNvSpPr/>
-          <p:nvPr/>
-        </p:nvSpPr>
-        <p:spPr>
-          <a:xfrm>
-            <a:off x="2805113" y="228601"/>
-            <a:ext cx="6583361" cy="4618037"/>
-          </a:xfrm>
-          <a:prstGeom prst="rect">
-            <a:avLst/>
-          </a:prstGeom>
-          <a:blipFill>
-            <a:blip r:embed="rId3" cstate="print"/>
-            <a:stretch>
-              <a:fillRect/>
-            </a:stretch>
-          </a:blipFill>
-        </p:spPr>
-        <p:txBody>
-          <a:bodyPr wrap="square" lIns="0" tIns="0" rIns="0" bIns="0" rtlCol="0"/>
-          <a:lstStyle/>
-          <a:p>
-            <a:endParaRPr/>
-          </a:p>
-        </p:txBody>
-      </p:sp>
-      <p:sp>
-        <p:nvSpPr>
-          <p:cNvPr id="3" name="object 3"/>
-          <p:cNvSpPr txBox="1"/>
-          <p:nvPr/>
-        </p:nvSpPr>
-        <p:spPr>
-          <a:xfrm>
-            <a:off x="2198914" y="5029200"/>
-            <a:ext cx="7173686" cy="1192634"/>
-          </a:xfrm>
-          <a:prstGeom prst="rect">
-            <a:avLst/>
-          </a:prstGeom>
-          <a:ln w="4156">
-            <a:solidFill>
-              <a:srgbClr val="000000"/>
-            </a:solidFill>
-          </a:ln>
-        </p:spPr>
-        <p:txBody>
-          <a:bodyPr vert="horz" wrap="square" lIns="0" tIns="0" rIns="0" bIns="0" rtlCol="0">
-            <a:spAutoFit/>
-          </a:bodyPr>
-          <a:lstStyle/>
-          <a:p>
-            <a:pPr marL="88900">
-              <a:lnSpc>
-                <a:spcPts val="2130"/>
-              </a:lnSpc>
-            </a:pPr>
-            <a:r>
-              <a:rPr spc="-15" dirty="0">
-                <a:latin typeface="Century Gothic"/>
-                <a:cs typeface="Century Gothic"/>
-              </a:rPr>
-              <a:t>Academy</a:t>
-            </a:r>
-            <a:r>
-              <a:rPr spc="-5" dirty="0">
-                <a:latin typeface="Century Gothic"/>
-                <a:cs typeface="Century Gothic"/>
-              </a:rPr>
-              <a:t> </a:t>
-            </a:r>
-            <a:r>
-              <a:rPr spc="-10" dirty="0">
-                <a:latin typeface="Century Gothic"/>
-                <a:cs typeface="Century Gothic"/>
-              </a:rPr>
-              <a:t>of</a:t>
-            </a:r>
-            <a:r>
-              <a:rPr spc="-5" dirty="0">
-                <a:latin typeface="Century Gothic"/>
-                <a:cs typeface="Century Gothic"/>
-              </a:rPr>
-              <a:t> </a:t>
-            </a:r>
-            <a:r>
-              <a:rPr spc="-15" dirty="0">
-                <a:latin typeface="Century Gothic"/>
-                <a:cs typeface="Century Gothic"/>
-              </a:rPr>
-              <a:t>Mot</a:t>
-            </a:r>
-            <a:r>
-              <a:rPr dirty="0">
-                <a:latin typeface="Century Gothic"/>
-                <a:cs typeface="Century Gothic"/>
-              </a:rPr>
-              <a:t>i</a:t>
-            </a:r>
-            <a:r>
-              <a:rPr spc="-15" dirty="0">
-                <a:latin typeface="Century Gothic"/>
-                <a:cs typeface="Century Gothic"/>
-              </a:rPr>
-              <a:t>on</a:t>
-            </a:r>
-            <a:r>
-              <a:rPr spc="-5" dirty="0">
-                <a:latin typeface="Century Gothic"/>
-                <a:cs typeface="Century Gothic"/>
-              </a:rPr>
-              <a:t> </a:t>
-            </a:r>
-            <a:r>
-              <a:rPr spc="-15" dirty="0">
-                <a:latin typeface="Century Gothic"/>
-                <a:cs typeface="Century Gothic"/>
-              </a:rPr>
-              <a:t>P</a:t>
-            </a:r>
-            <a:r>
-              <a:rPr dirty="0">
-                <a:latin typeface="Century Gothic"/>
-                <a:cs typeface="Century Gothic"/>
-              </a:rPr>
-              <a:t>i</a:t>
-            </a:r>
-            <a:r>
-              <a:rPr spc="-10" dirty="0">
-                <a:latin typeface="Century Gothic"/>
-                <a:cs typeface="Century Gothic"/>
-              </a:rPr>
-              <a:t>ctu</a:t>
-            </a:r>
-            <a:r>
-              <a:rPr spc="-20" dirty="0">
-                <a:latin typeface="Century Gothic"/>
-                <a:cs typeface="Century Gothic"/>
-              </a:rPr>
-              <a:t>r</a:t>
-            </a:r>
-            <a:r>
-              <a:rPr spc="-15" dirty="0">
-                <a:latin typeface="Century Gothic"/>
-                <a:cs typeface="Century Gothic"/>
-              </a:rPr>
-              <a:t>e</a:t>
-            </a:r>
-            <a:r>
-              <a:rPr spc="-5" dirty="0">
-                <a:latin typeface="Century Gothic"/>
-                <a:cs typeface="Century Gothic"/>
-              </a:rPr>
-              <a:t> </a:t>
-            </a:r>
-            <a:r>
-              <a:rPr spc="-10" dirty="0">
-                <a:latin typeface="Century Gothic"/>
-                <a:cs typeface="Century Gothic"/>
-              </a:rPr>
-              <a:t>Art</a:t>
-            </a:r>
-            <a:r>
-              <a:rPr dirty="0">
-                <a:latin typeface="Century Gothic"/>
-                <a:cs typeface="Century Gothic"/>
-              </a:rPr>
-              <a:t>s</a:t>
-            </a:r>
-            <a:r>
-              <a:rPr spc="-5" dirty="0">
-                <a:latin typeface="Century Gothic"/>
-                <a:cs typeface="Century Gothic"/>
-              </a:rPr>
-              <a:t> </a:t>
-            </a:r>
-            <a:r>
-              <a:rPr spc="-15" dirty="0">
-                <a:latin typeface="Century Gothic"/>
-                <a:cs typeface="Century Gothic"/>
-              </a:rPr>
-              <a:t>&amp;</a:t>
-            </a:r>
-            <a:r>
-              <a:rPr spc="-5" dirty="0">
-                <a:latin typeface="Century Gothic"/>
-                <a:cs typeface="Century Gothic"/>
-              </a:rPr>
-              <a:t> </a:t>
-            </a:r>
-            <a:r>
-              <a:rPr dirty="0">
-                <a:latin typeface="Century Gothic"/>
-                <a:cs typeface="Century Gothic"/>
-              </a:rPr>
-              <a:t>Sci</a:t>
-            </a:r>
-            <a:r>
-              <a:rPr spc="-15" dirty="0">
-                <a:latin typeface="Century Gothic"/>
-                <a:cs typeface="Century Gothic"/>
-              </a:rPr>
-              <a:t>ence</a:t>
-            </a:r>
-            <a:r>
-              <a:rPr dirty="0">
-                <a:latin typeface="Century Gothic"/>
-                <a:cs typeface="Century Gothic"/>
-              </a:rPr>
-              <a:t>s</a:t>
-            </a:r>
-          </a:p>
-          <a:p>
-            <a:pPr marL="88900">
-              <a:lnSpc>
-                <a:spcPts val="1880"/>
-              </a:lnSpc>
-            </a:pPr>
-            <a:r>
-              <a:rPr sz="1600" dirty="0">
-                <a:latin typeface="Century Gothic"/>
-                <a:cs typeface="Century Gothic"/>
-              </a:rPr>
-              <a:t>Sci</a:t>
-            </a:r>
-            <a:r>
-              <a:rPr sz="1600" spc="-10" dirty="0">
-                <a:latin typeface="Century Gothic"/>
-                <a:cs typeface="Century Gothic"/>
-              </a:rPr>
-              <a:t>entifi</a:t>
-            </a:r>
-            <a:r>
-              <a:rPr sz="1600" spc="-15" dirty="0">
-                <a:latin typeface="Century Gothic"/>
-                <a:cs typeface="Century Gothic"/>
-              </a:rPr>
-              <a:t>c</a:t>
-            </a:r>
-            <a:r>
-              <a:rPr sz="1600" spc="-5" dirty="0">
-                <a:latin typeface="Century Gothic"/>
-                <a:cs typeface="Century Gothic"/>
-              </a:rPr>
-              <a:t> </a:t>
-            </a:r>
-            <a:r>
-              <a:rPr sz="1600" dirty="0">
-                <a:latin typeface="Century Gothic"/>
-                <a:cs typeface="Century Gothic"/>
-              </a:rPr>
-              <a:t>a</a:t>
-            </a:r>
-            <a:r>
-              <a:rPr sz="1600" spc="-10" dirty="0">
-                <a:latin typeface="Century Gothic"/>
-                <a:cs typeface="Century Gothic"/>
-              </a:rPr>
-              <a:t>n</a:t>
-            </a:r>
-            <a:r>
-              <a:rPr sz="1600" dirty="0">
-                <a:latin typeface="Century Gothic"/>
-                <a:cs typeface="Century Gothic"/>
-              </a:rPr>
-              <a:t>d E</a:t>
-            </a:r>
-            <a:r>
-              <a:rPr sz="1600" spc="-15" dirty="0">
-                <a:latin typeface="Century Gothic"/>
-                <a:cs typeface="Century Gothic"/>
-              </a:rPr>
-              <a:t>ng</a:t>
-            </a:r>
-            <a:r>
-              <a:rPr sz="1600" dirty="0">
-                <a:latin typeface="Century Gothic"/>
-                <a:cs typeface="Century Gothic"/>
-              </a:rPr>
-              <a:t>i</a:t>
-            </a:r>
-            <a:r>
-              <a:rPr sz="1600" spc="-10" dirty="0">
-                <a:latin typeface="Century Gothic"/>
-                <a:cs typeface="Century Gothic"/>
-              </a:rPr>
-              <a:t>neer</a:t>
-            </a:r>
-            <a:r>
-              <a:rPr sz="1600" dirty="0">
-                <a:latin typeface="Century Gothic"/>
-                <a:cs typeface="Century Gothic"/>
-              </a:rPr>
-              <a:t>i</a:t>
-            </a:r>
-            <a:r>
-              <a:rPr sz="1600" spc="-15" dirty="0">
-                <a:latin typeface="Century Gothic"/>
-                <a:cs typeface="Century Gothic"/>
-              </a:rPr>
-              <a:t>ng</a:t>
-            </a:r>
-            <a:r>
-              <a:rPr sz="1600" dirty="0">
-                <a:latin typeface="Century Gothic"/>
-                <a:cs typeface="Century Gothic"/>
-              </a:rPr>
-              <a:t> </a:t>
-            </a:r>
-            <a:r>
-              <a:rPr sz="1600" spc="-120" dirty="0">
-                <a:latin typeface="Century Gothic"/>
-                <a:cs typeface="Century Gothic"/>
-              </a:rPr>
-              <a:t>A</a:t>
-            </a:r>
-            <a:r>
-              <a:rPr sz="1600" dirty="0">
-                <a:latin typeface="Century Gothic"/>
-                <a:cs typeface="Century Gothic"/>
-              </a:rPr>
-              <a:t>wa</a:t>
-            </a:r>
-            <a:r>
-              <a:rPr sz="1600" spc="-15" dirty="0">
-                <a:latin typeface="Century Gothic"/>
-                <a:cs typeface="Century Gothic"/>
-              </a:rPr>
-              <a:t>r</a:t>
-            </a:r>
-            <a:r>
-              <a:rPr sz="1600" dirty="0">
-                <a:latin typeface="Century Gothic"/>
-                <a:cs typeface="Century Gothic"/>
-              </a:rPr>
-              <a:t>d</a:t>
-            </a:r>
-          </a:p>
-          <a:p>
-            <a:pPr marL="88900" marR="1426210">
-              <a:lnSpc>
-                <a:spcPts val="1700"/>
-              </a:lnSpc>
-              <a:spcBef>
-                <a:spcPts val="30"/>
-              </a:spcBef>
-            </a:pPr>
-            <a:r>
-              <a:rPr sz="1400" spc="-80" dirty="0">
-                <a:latin typeface="Century Gothic"/>
-                <a:cs typeface="Century Gothic"/>
-              </a:rPr>
-              <a:t>T</a:t>
-            </a:r>
-            <a:r>
-              <a:rPr sz="1400" spc="-10" dirty="0">
-                <a:latin typeface="Century Gothic"/>
-                <a:cs typeface="Century Gothic"/>
-              </a:rPr>
-              <a:t>o</a:t>
-            </a:r>
-            <a:r>
-              <a:rPr sz="1400" spc="-5" dirty="0">
-                <a:latin typeface="Century Gothic"/>
-                <a:cs typeface="Century Gothic"/>
-              </a:rPr>
-              <a:t> </a:t>
-            </a:r>
-            <a:r>
-              <a:rPr sz="1400" spc="-15" dirty="0">
-                <a:latin typeface="Century Gothic"/>
-                <a:cs typeface="Century Gothic"/>
-              </a:rPr>
-              <a:t>A</a:t>
-            </a:r>
-            <a:r>
-              <a:rPr sz="1400" dirty="0">
-                <a:latin typeface="Century Gothic"/>
-                <a:cs typeface="Century Gothic"/>
-              </a:rPr>
-              <a:t>lvy</a:t>
-            </a:r>
-            <a:r>
-              <a:rPr sz="1400" spc="-5" dirty="0">
-                <a:latin typeface="Century Gothic"/>
-                <a:cs typeface="Century Gothic"/>
-              </a:rPr>
-              <a:t> </a:t>
-            </a:r>
-            <a:r>
-              <a:rPr sz="1400" spc="-10" dirty="0">
-                <a:latin typeface="Century Gothic"/>
-                <a:cs typeface="Century Gothic"/>
-              </a:rPr>
-              <a:t>R</a:t>
-            </a:r>
-            <a:r>
-              <a:rPr sz="1400" dirty="0">
-                <a:latin typeface="Century Gothic"/>
-                <a:cs typeface="Century Gothic"/>
-              </a:rPr>
-              <a:t>ay</a:t>
-            </a:r>
-            <a:r>
-              <a:rPr sz="1400" spc="-5" dirty="0">
-                <a:latin typeface="Century Gothic"/>
-                <a:cs typeface="Century Gothic"/>
-              </a:rPr>
-              <a:t> </a:t>
-            </a:r>
-            <a:r>
-              <a:rPr sz="1400" dirty="0">
-                <a:latin typeface="Century Gothic"/>
-                <a:cs typeface="Century Gothic"/>
-              </a:rPr>
-              <a:t>Smi</a:t>
-            </a:r>
-            <a:r>
-              <a:rPr sz="1400" spc="-10" dirty="0">
-                <a:latin typeface="Century Gothic"/>
-                <a:cs typeface="Century Gothic"/>
-              </a:rPr>
-              <a:t>th,</a:t>
-            </a:r>
-            <a:r>
-              <a:rPr sz="1400" dirty="0">
-                <a:latin typeface="Century Gothic"/>
-                <a:cs typeface="Century Gothic"/>
-              </a:rPr>
-              <a:t> </a:t>
-            </a:r>
-            <a:r>
-              <a:rPr sz="1400" spc="-80" dirty="0">
-                <a:latin typeface="Century Gothic"/>
-                <a:cs typeface="Century Gothic"/>
-              </a:rPr>
-              <a:t>T</a:t>
-            </a:r>
-            <a:r>
-              <a:rPr sz="1400" spc="-15" dirty="0">
-                <a:latin typeface="Century Gothic"/>
-                <a:cs typeface="Century Gothic"/>
-              </a:rPr>
-              <a:t>om</a:t>
-            </a:r>
-            <a:r>
-              <a:rPr sz="1400" spc="-5" dirty="0">
-                <a:latin typeface="Century Gothic"/>
-                <a:cs typeface="Century Gothic"/>
-              </a:rPr>
-              <a:t> </a:t>
-            </a:r>
-            <a:r>
-              <a:rPr sz="1400" dirty="0">
-                <a:latin typeface="Century Gothic"/>
-                <a:cs typeface="Century Gothic"/>
-              </a:rPr>
-              <a:t>D</a:t>
-            </a:r>
-            <a:r>
-              <a:rPr sz="1400" spc="-10" dirty="0">
-                <a:latin typeface="Century Gothic"/>
-                <a:cs typeface="Century Gothic"/>
-              </a:rPr>
-              <a:t>uff,</a:t>
-            </a:r>
-            <a:r>
-              <a:rPr sz="1400" dirty="0">
-                <a:latin typeface="Century Gothic"/>
-                <a:cs typeface="Century Gothic"/>
-              </a:rPr>
-              <a:t> Ed Ca</a:t>
-            </a:r>
-            <a:r>
-              <a:rPr sz="1400" spc="-10" dirty="0">
-                <a:latin typeface="Century Gothic"/>
-                <a:cs typeface="Century Gothic"/>
-              </a:rPr>
-              <a:t>tmu</a:t>
-            </a:r>
-            <a:r>
-              <a:rPr sz="1400" dirty="0">
-                <a:latin typeface="Century Gothic"/>
-                <a:cs typeface="Century Gothic"/>
-              </a:rPr>
-              <a:t>ll</a:t>
-            </a:r>
-            <a:r>
-              <a:rPr sz="1400" spc="-5" dirty="0">
-                <a:latin typeface="Century Gothic"/>
-                <a:cs typeface="Century Gothic"/>
-              </a:rPr>
-              <a:t> </a:t>
-            </a:r>
-            <a:r>
-              <a:rPr sz="1400" dirty="0">
-                <a:latin typeface="Century Gothic"/>
-                <a:cs typeface="Century Gothic"/>
-              </a:rPr>
-              <a:t>a</a:t>
-            </a:r>
-            <a:r>
-              <a:rPr sz="1400" spc="-10" dirty="0">
-                <a:latin typeface="Century Gothic"/>
-                <a:cs typeface="Century Gothic"/>
-              </a:rPr>
-              <a:t>n</a:t>
-            </a:r>
-            <a:r>
-              <a:rPr sz="1400" dirty="0">
-                <a:latin typeface="Century Gothic"/>
-                <a:cs typeface="Century Gothic"/>
-              </a:rPr>
-              <a:t>d </a:t>
-            </a:r>
-            <a:r>
-              <a:rPr sz="1400" spc="-10" dirty="0">
-                <a:latin typeface="Century Gothic"/>
-                <a:cs typeface="Century Gothic"/>
-              </a:rPr>
-              <a:t>Tho</a:t>
-            </a:r>
-            <a:r>
-              <a:rPr sz="1400" dirty="0">
-                <a:latin typeface="Century Gothic"/>
-                <a:cs typeface="Century Gothic"/>
-              </a:rPr>
-              <a:t>mas</a:t>
-            </a:r>
-            <a:r>
-              <a:rPr sz="1400" spc="-5" dirty="0">
-                <a:latin typeface="Century Gothic"/>
-                <a:cs typeface="Century Gothic"/>
-              </a:rPr>
-              <a:t> </a:t>
-            </a:r>
-            <a:r>
-              <a:rPr sz="1400" spc="-10" dirty="0">
-                <a:latin typeface="Century Gothic"/>
-                <a:cs typeface="Century Gothic"/>
-              </a:rPr>
-              <a:t>Porter for</a:t>
-            </a:r>
-            <a:r>
-              <a:rPr sz="1400" spc="-5" dirty="0">
-                <a:latin typeface="Century Gothic"/>
-                <a:cs typeface="Century Gothic"/>
-              </a:rPr>
-              <a:t> </a:t>
-            </a:r>
-            <a:r>
-              <a:rPr sz="1400" spc="-10" dirty="0">
-                <a:latin typeface="Century Gothic"/>
-                <a:cs typeface="Century Gothic"/>
-              </a:rPr>
-              <a:t>the</a:t>
-            </a:r>
-            <a:r>
-              <a:rPr sz="1400" dirty="0">
-                <a:latin typeface="Century Gothic"/>
-                <a:cs typeface="Century Gothic"/>
-              </a:rPr>
-              <a:t>i</a:t>
-            </a:r>
-            <a:r>
-              <a:rPr sz="1400" spc="-5" dirty="0">
-                <a:latin typeface="Century Gothic"/>
-                <a:cs typeface="Century Gothic"/>
-              </a:rPr>
-              <a:t>r </a:t>
-            </a:r>
-            <a:r>
-              <a:rPr sz="1400" spc="-10" dirty="0">
-                <a:latin typeface="Century Gothic"/>
-                <a:cs typeface="Century Gothic"/>
-              </a:rPr>
-              <a:t>P</a:t>
-            </a:r>
-            <a:r>
-              <a:rPr sz="1400" dirty="0">
-                <a:latin typeface="Century Gothic"/>
-                <a:cs typeface="Century Gothic"/>
-              </a:rPr>
-              <a:t>i</a:t>
-            </a:r>
-            <a:r>
-              <a:rPr sz="1400" spc="-10" dirty="0">
-                <a:latin typeface="Century Gothic"/>
-                <a:cs typeface="Century Gothic"/>
-              </a:rPr>
-              <a:t>oneer</a:t>
-            </a:r>
-            <a:r>
-              <a:rPr sz="1400" dirty="0">
-                <a:latin typeface="Century Gothic"/>
-                <a:cs typeface="Century Gothic"/>
-              </a:rPr>
-              <a:t>i</a:t>
-            </a:r>
-            <a:r>
-              <a:rPr sz="1400" spc="-10" dirty="0">
-                <a:latin typeface="Century Gothic"/>
-                <a:cs typeface="Century Gothic"/>
-              </a:rPr>
-              <a:t>ng</a:t>
-            </a:r>
-            <a:r>
-              <a:rPr sz="1400" dirty="0">
-                <a:latin typeface="Century Gothic"/>
-                <a:cs typeface="Century Gothic"/>
-              </a:rPr>
-              <a:t> I</a:t>
-            </a:r>
-            <a:r>
-              <a:rPr sz="1400" spc="-10" dirty="0">
-                <a:latin typeface="Century Gothic"/>
-                <a:cs typeface="Century Gothic"/>
-              </a:rPr>
-              <a:t>n</a:t>
-            </a:r>
-            <a:r>
-              <a:rPr sz="1400" dirty="0">
-                <a:latin typeface="Century Gothic"/>
-                <a:cs typeface="Century Gothic"/>
-              </a:rPr>
-              <a:t>v</a:t>
-            </a:r>
-            <a:r>
-              <a:rPr sz="1400" spc="-10" dirty="0">
-                <a:latin typeface="Century Gothic"/>
-                <a:cs typeface="Century Gothic"/>
-              </a:rPr>
-              <a:t>ent</a:t>
-            </a:r>
-            <a:r>
-              <a:rPr sz="1400" dirty="0">
-                <a:latin typeface="Century Gothic"/>
-                <a:cs typeface="Century Gothic"/>
-              </a:rPr>
-              <a:t>i</a:t>
-            </a:r>
-            <a:r>
-              <a:rPr sz="1400" spc="-10" dirty="0">
-                <a:latin typeface="Century Gothic"/>
-                <a:cs typeface="Century Gothic"/>
-              </a:rPr>
-              <a:t>on</a:t>
-            </a:r>
-            <a:r>
-              <a:rPr sz="1400" dirty="0">
-                <a:latin typeface="Century Gothic"/>
-                <a:cs typeface="Century Gothic"/>
-              </a:rPr>
-              <a:t>s</a:t>
-            </a:r>
-            <a:r>
-              <a:rPr sz="1400" spc="-5" dirty="0">
-                <a:latin typeface="Century Gothic"/>
-                <a:cs typeface="Century Gothic"/>
-              </a:rPr>
-              <a:t> </a:t>
-            </a:r>
-            <a:r>
-              <a:rPr sz="1400" dirty="0">
-                <a:latin typeface="Century Gothic"/>
-                <a:cs typeface="Century Gothic"/>
-              </a:rPr>
-              <a:t>i</a:t>
-            </a:r>
-            <a:r>
-              <a:rPr sz="1400" spc="-10" dirty="0">
-                <a:latin typeface="Century Gothic"/>
-                <a:cs typeface="Century Gothic"/>
-              </a:rPr>
-              <a:t>n</a:t>
-            </a:r>
-            <a:r>
-              <a:rPr sz="1400" dirty="0">
-                <a:latin typeface="Century Gothic"/>
-                <a:cs typeface="Century Gothic"/>
-              </a:rPr>
-              <a:t> </a:t>
-            </a:r>
-            <a:r>
-              <a:rPr sz="1400" b="1" dirty="0">
-                <a:solidFill>
-                  <a:srgbClr val="C00000"/>
-                </a:solidFill>
-                <a:latin typeface="Century Gothic"/>
-                <a:cs typeface="Century Gothic"/>
-              </a:rPr>
-              <a:t>Di</a:t>
-            </a:r>
-            <a:r>
-              <a:rPr sz="1400" b="1" spc="-10" dirty="0">
-                <a:solidFill>
-                  <a:srgbClr val="C00000"/>
-                </a:solidFill>
-                <a:latin typeface="Century Gothic"/>
-                <a:cs typeface="Century Gothic"/>
-              </a:rPr>
-              <a:t>g</a:t>
-            </a:r>
-            <a:r>
-              <a:rPr sz="1400" b="1" dirty="0">
-                <a:solidFill>
-                  <a:srgbClr val="C00000"/>
-                </a:solidFill>
-                <a:latin typeface="Century Gothic"/>
-                <a:cs typeface="Century Gothic"/>
-              </a:rPr>
-              <a:t>i</a:t>
-            </a:r>
-            <a:r>
-              <a:rPr sz="1400" b="1" spc="-5" dirty="0">
-                <a:solidFill>
-                  <a:srgbClr val="C00000"/>
-                </a:solidFill>
-                <a:latin typeface="Century Gothic"/>
-                <a:cs typeface="Century Gothic"/>
-              </a:rPr>
-              <a:t>t</a:t>
-            </a:r>
-            <a:r>
-              <a:rPr sz="1400" b="1" dirty="0">
-                <a:solidFill>
-                  <a:srgbClr val="C00000"/>
-                </a:solidFill>
-                <a:latin typeface="Century Gothic"/>
-                <a:cs typeface="Century Gothic"/>
-              </a:rPr>
-              <a:t>al</a:t>
-            </a:r>
-            <a:r>
-              <a:rPr sz="1400" b="1" spc="-5" dirty="0">
-                <a:solidFill>
-                  <a:srgbClr val="C00000"/>
-                </a:solidFill>
-                <a:latin typeface="Century Gothic"/>
-                <a:cs typeface="Century Gothic"/>
-              </a:rPr>
-              <a:t> </a:t>
-            </a:r>
-            <a:r>
-              <a:rPr sz="1400" b="1" dirty="0">
-                <a:solidFill>
-                  <a:srgbClr val="C00000"/>
-                </a:solidFill>
-                <a:latin typeface="Century Gothic"/>
-                <a:cs typeface="Century Gothic"/>
-              </a:rPr>
-              <a:t>Ima</a:t>
-            </a:r>
-            <a:r>
-              <a:rPr sz="1400" b="1" spc="-10" dirty="0">
-                <a:solidFill>
-                  <a:srgbClr val="C00000"/>
-                </a:solidFill>
-                <a:latin typeface="Century Gothic"/>
-                <a:cs typeface="Century Gothic"/>
-              </a:rPr>
-              <a:t>ge</a:t>
-            </a:r>
-            <a:r>
-              <a:rPr lang="en-US" sz="1400" b="1" spc="-5" dirty="0">
-                <a:solidFill>
-                  <a:srgbClr val="C00000"/>
-                </a:solidFill>
-                <a:latin typeface="Century Gothic"/>
-                <a:cs typeface="Century Gothic"/>
-              </a:rPr>
-              <a:t> </a:t>
-            </a:r>
-            <a:r>
-              <a:rPr sz="1400" b="1" dirty="0">
-                <a:solidFill>
-                  <a:srgbClr val="C00000"/>
-                </a:solidFill>
-                <a:latin typeface="Century Gothic"/>
-                <a:cs typeface="Century Gothic"/>
-              </a:rPr>
-              <a:t>C</a:t>
-            </a:r>
-            <a:r>
-              <a:rPr lang="en-US" sz="1400" b="1" dirty="0">
-                <a:solidFill>
-                  <a:srgbClr val="C00000"/>
-                </a:solidFill>
-                <a:latin typeface="Century Gothic"/>
-                <a:cs typeface="Century Gothic"/>
-              </a:rPr>
-              <a:t>ompositing</a:t>
-            </a:r>
-            <a:r>
-              <a:rPr sz="1400" spc="-5" dirty="0">
-                <a:latin typeface="Century Gothic"/>
-                <a:cs typeface="Century Gothic"/>
-              </a:rPr>
-              <a:t>.</a:t>
-            </a:r>
-            <a:endParaRPr sz="1400" dirty="0">
-              <a:latin typeface="Century Gothic"/>
-              <a:cs typeface="Century Gothic"/>
-            </a:endParaRPr>
-          </a:p>
-          <a:p>
-            <a:pPr marL="88900">
-              <a:lnSpc>
-                <a:spcPts val="1880"/>
-              </a:lnSpc>
-            </a:pPr>
-            <a:r>
-              <a:rPr sz="1600" spc="-10" dirty="0">
-                <a:latin typeface="Century Gothic"/>
-                <a:cs typeface="Century Gothic"/>
-              </a:rPr>
-              <a:t>PRESENTED</a:t>
-            </a:r>
-            <a:r>
-              <a:rPr sz="1600" spc="-5" dirty="0">
-                <a:latin typeface="Century Gothic"/>
-                <a:cs typeface="Century Gothic"/>
-              </a:rPr>
-              <a:t> </a:t>
-            </a:r>
-            <a:r>
-              <a:rPr sz="1600" spc="-15" dirty="0">
-                <a:latin typeface="Century Gothic"/>
-                <a:cs typeface="Century Gothic"/>
-              </a:rPr>
-              <a:t>MAR</a:t>
-            </a:r>
-            <a:r>
-              <a:rPr sz="1600" dirty="0">
-                <a:latin typeface="Century Gothic"/>
-                <a:cs typeface="Century Gothic"/>
-              </a:rPr>
-              <a:t>CH</a:t>
-            </a:r>
-            <a:r>
-              <a:rPr sz="1600" spc="-5" dirty="0">
-                <a:latin typeface="Century Gothic"/>
-                <a:cs typeface="Century Gothic"/>
-              </a:rPr>
-              <a:t> </a:t>
-            </a:r>
-            <a:r>
-              <a:rPr sz="1600" dirty="0">
-                <a:latin typeface="Century Gothic"/>
-                <a:cs typeface="Century Gothic"/>
-              </a:rPr>
-              <a:t>2</a:t>
-            </a:r>
-            <a:r>
-              <a:rPr sz="1600" spc="-5" dirty="0">
-                <a:latin typeface="Century Gothic"/>
-                <a:cs typeface="Century Gothic"/>
-              </a:rPr>
-              <a:t>,</a:t>
-            </a:r>
-            <a:r>
-              <a:rPr sz="1600" dirty="0">
-                <a:latin typeface="Century Gothic"/>
-                <a:cs typeface="Century Gothic"/>
-              </a:rPr>
-              <a:t> 1996</a:t>
-            </a:r>
-          </a:p>
-        </p:txBody>
-      </p:sp>
-    </p:spTree>
-    <p:extLst>
-      <p:ext uri="{BB962C8B-B14F-4D97-AF65-F5344CB8AC3E}">
-        <p14:creationId xmlns:p14="http://schemas.microsoft.com/office/powerpoint/2010/main" val="1806820316"/>
-      </p:ext>
-    </p:extLst>
-  </p:cSld>
-  <p:clrMapOvr>
-    <a:masterClrMapping/>
-  </p:clrMapOvr>
-</p:sld>
-</file>
-
-<file path=ppt/slides/slide40.xml><?xml version="1.0" encoding="utf-8"?>
+<file path=ppt/slides/slide39.xml><?xml version="1.0" encoding="utf-8"?>
 <p:sld xmlns:a="http://schemas.openxmlformats.org/drawingml/2006/main" xmlns:r="http://schemas.openxmlformats.org/officeDocument/2006/relationships" xmlns:p="http://schemas.openxmlformats.org/presentationml/2006/main">
   <p:cSld>
     <p:spTree>
@@ -33997,7 +32608,7 @@
 </p:sld>
 </file>
 
-<file path=ppt/slides/slide41.xml><?xml version="1.0" encoding="utf-8"?>
+<file path=ppt/slides/slide4.xml><?xml version="1.0" encoding="utf-8"?>
 <p:sld xmlns:a="http://schemas.openxmlformats.org/drawingml/2006/main" xmlns:r="http://schemas.openxmlformats.org/officeDocument/2006/relationships" xmlns:p="http://schemas.openxmlformats.org/presentationml/2006/main">
   <p:cSld>
     <p:spTree>
@@ -34022,262 +32633,8 @@
         </p:nvSpPr>
         <p:spPr>
           <a:xfrm>
-            <a:off x="6858000" y="2133600"/>
-            <a:ext cx="1828800" cy="1828800"/>
-          </a:xfrm>
-          <a:custGeom>
-            <a:avLst/>
-            <a:gdLst/>
-            <a:ahLst/>
-            <a:cxnLst/>
-            <a:rect l="l" t="t" r="r" b="b"/>
-            <a:pathLst>
-              <a:path w="1828800" h="1828800">
-                <a:moveTo>
-                  <a:pt x="0" y="0"/>
-                </a:moveTo>
-                <a:lnTo>
-                  <a:pt x="1828798" y="0"/>
-                </a:lnTo>
-                <a:lnTo>
-                  <a:pt x="1828798" y="1828800"/>
-                </a:lnTo>
-                <a:lnTo>
-                  <a:pt x="0" y="1828800"/>
-                </a:lnTo>
-                <a:lnTo>
-                  <a:pt x="0" y="0"/>
-                </a:lnTo>
-                <a:close/>
-              </a:path>
-            </a:pathLst>
-          </a:custGeom>
-          <a:solidFill>
-            <a:srgbClr val="D4FDD5"/>
-          </a:solidFill>
-        </p:spPr>
-        <p:txBody>
-          <a:bodyPr wrap="square" lIns="0" tIns="0" rIns="0" bIns="0" rtlCol="0"/>
-          <a:lstStyle/>
-          <a:p>
-            <a:endParaRPr/>
-          </a:p>
-        </p:txBody>
-      </p:sp>
-      <p:sp>
-        <p:nvSpPr>
-          <p:cNvPr id="3" name="object 3"/>
-          <p:cNvSpPr/>
-          <p:nvPr/>
-        </p:nvSpPr>
-        <p:spPr>
-          <a:xfrm>
-            <a:off x="6858000" y="2133600"/>
-            <a:ext cx="1828800" cy="1828800"/>
-          </a:xfrm>
-          <a:custGeom>
-            <a:avLst/>
-            <a:gdLst/>
-            <a:ahLst/>
-            <a:cxnLst/>
-            <a:rect l="l" t="t" r="r" b="b"/>
-            <a:pathLst>
-              <a:path w="1828800" h="1828800">
-                <a:moveTo>
-                  <a:pt x="0" y="0"/>
-                </a:moveTo>
-                <a:lnTo>
-                  <a:pt x="1828799" y="0"/>
-                </a:lnTo>
-                <a:lnTo>
-                  <a:pt x="1828799" y="1828799"/>
-                </a:lnTo>
-                <a:lnTo>
-                  <a:pt x="0" y="1828799"/>
-                </a:lnTo>
-                <a:lnTo>
-                  <a:pt x="0" y="0"/>
-                </a:lnTo>
-                <a:close/>
-              </a:path>
-            </a:pathLst>
-          </a:custGeom>
-          <a:ln w="9524">
-            <a:solidFill>
-              <a:srgbClr val="000000"/>
-            </a:solidFill>
-          </a:ln>
-        </p:spPr>
-        <p:txBody>
-          <a:bodyPr wrap="square" lIns="0" tIns="0" rIns="0" bIns="0" rtlCol="0"/>
-          <a:lstStyle/>
-          <a:p>
-            <a:endParaRPr/>
-          </a:p>
-        </p:txBody>
-      </p:sp>
-      <p:sp>
-        <p:nvSpPr>
-          <p:cNvPr id="5" name="object 5"/>
-          <p:cNvSpPr/>
-          <p:nvPr/>
-        </p:nvSpPr>
-        <p:spPr>
-          <a:xfrm>
-            <a:off x="7238998" y="2590800"/>
-            <a:ext cx="1828800" cy="1828800"/>
-          </a:xfrm>
-          <a:custGeom>
-            <a:avLst/>
-            <a:gdLst/>
-            <a:ahLst/>
-            <a:cxnLst/>
-            <a:rect l="l" t="t" r="r" b="b"/>
-            <a:pathLst>
-              <a:path w="1828800" h="1828800">
-                <a:moveTo>
-                  <a:pt x="0" y="0"/>
-                </a:moveTo>
-                <a:lnTo>
-                  <a:pt x="1828800" y="0"/>
-                </a:lnTo>
-                <a:lnTo>
-                  <a:pt x="1828800" y="1828800"/>
-                </a:lnTo>
-                <a:lnTo>
-                  <a:pt x="0" y="1828800"/>
-                </a:lnTo>
-                <a:lnTo>
-                  <a:pt x="0" y="0"/>
-                </a:lnTo>
-                <a:close/>
-              </a:path>
-            </a:pathLst>
-          </a:custGeom>
-          <a:solidFill>
-            <a:srgbClr val="9EB151"/>
-          </a:solidFill>
-        </p:spPr>
-        <p:txBody>
-          <a:bodyPr wrap="square" lIns="0" tIns="0" rIns="0" bIns="0" rtlCol="0"/>
-          <a:lstStyle/>
-          <a:p>
-            <a:endParaRPr/>
-          </a:p>
-        </p:txBody>
-      </p:sp>
-      <p:sp>
-        <p:nvSpPr>
-          <p:cNvPr id="6" name="object 6"/>
-          <p:cNvSpPr/>
-          <p:nvPr/>
-        </p:nvSpPr>
-        <p:spPr>
-          <a:xfrm>
-            <a:off x="7238998" y="2590800"/>
-            <a:ext cx="1828800" cy="1828800"/>
-          </a:xfrm>
-          <a:custGeom>
-            <a:avLst/>
-            <a:gdLst/>
-            <a:ahLst/>
-            <a:cxnLst/>
-            <a:rect l="l" t="t" r="r" b="b"/>
-            <a:pathLst>
-              <a:path w="1828800" h="1828800">
-                <a:moveTo>
-                  <a:pt x="0" y="0"/>
-                </a:moveTo>
-                <a:lnTo>
-                  <a:pt x="1828799" y="0"/>
-                </a:lnTo>
-                <a:lnTo>
-                  <a:pt x="1828799" y="1828799"/>
-                </a:lnTo>
-                <a:lnTo>
-                  <a:pt x="0" y="1828799"/>
-                </a:lnTo>
-                <a:lnTo>
-                  <a:pt x="0" y="0"/>
-                </a:lnTo>
-                <a:close/>
-              </a:path>
-            </a:pathLst>
-          </a:custGeom>
-          <a:ln w="9524">
-            <a:solidFill>
-              <a:srgbClr val="000000"/>
-            </a:solidFill>
-          </a:ln>
-        </p:spPr>
-        <p:txBody>
-          <a:bodyPr wrap="square" lIns="0" tIns="0" rIns="0" bIns="0" rtlCol="0"/>
-          <a:lstStyle/>
-          <a:p>
-            <a:endParaRPr/>
-          </a:p>
-        </p:txBody>
-      </p:sp>
-      <p:sp>
-        <p:nvSpPr>
-          <p:cNvPr id="7" name="object 7"/>
-          <p:cNvSpPr/>
-          <p:nvPr/>
-        </p:nvSpPr>
-        <p:spPr>
-          <a:xfrm>
-            <a:off x="7238998" y="2590800"/>
-            <a:ext cx="457200" cy="1371600"/>
-          </a:xfrm>
-          <a:custGeom>
-            <a:avLst/>
-            <a:gdLst/>
-            <a:ahLst/>
-            <a:cxnLst/>
-            <a:rect l="l" t="t" r="r" b="b"/>
-            <a:pathLst>
-              <a:path w="457200" h="1371600">
-                <a:moveTo>
-                  <a:pt x="0" y="0"/>
-                </a:moveTo>
-                <a:lnTo>
-                  <a:pt x="457200" y="0"/>
-                </a:lnTo>
-                <a:lnTo>
-                  <a:pt x="457200" y="1371600"/>
-                </a:lnTo>
-                <a:lnTo>
-                  <a:pt x="0" y="1371600"/>
-                </a:lnTo>
-                <a:lnTo>
-                  <a:pt x="0" y="0"/>
-                </a:lnTo>
-                <a:close/>
-              </a:path>
-            </a:pathLst>
-          </a:custGeom>
-          <a:solidFill>
-            <a:srgbClr val="D4FDD5"/>
-          </a:solidFill>
-        </p:spPr>
-        <p:txBody>
-          <a:bodyPr wrap="square" lIns="0" tIns="0" rIns="0" bIns="0" rtlCol="0"/>
-          <a:lstStyle/>
-          <a:p>
-            <a:endParaRPr/>
-          </a:p>
-        </p:txBody>
-      </p:sp>
-      <p:sp>
-        <p:nvSpPr>
-          <p:cNvPr id="8" name="object 8"/>
-          <p:cNvSpPr/>
-          <p:nvPr/>
-        </p:nvSpPr>
-        <p:spPr>
-          <a:xfrm>
-            <a:off x="7238998" y="2590800"/>
-            <a:ext cx="457200" cy="1371600"/>
+            <a:off x="2805113" y="228601"/>
+            <a:ext cx="6583361" cy="4618037"/>
           </a:xfrm>
           <a:prstGeom prst="rect">
             <a:avLst/>
@@ -34299,2004 +32656,852 @@
       </p:sp>
       <p:sp>
         <p:nvSpPr>
-          <p:cNvPr id="9" name="object 9"/>
-          <p:cNvSpPr/>
+          <p:cNvPr id="3" name="object 3"/>
+          <p:cNvSpPr txBox="1"/>
           <p:nvPr/>
         </p:nvSpPr>
         <p:spPr>
           <a:xfrm>
-            <a:off x="7696198" y="2590800"/>
-            <a:ext cx="990600" cy="457200"/>
-          </a:xfrm>
-          <a:custGeom>
-            <a:avLst/>
-            <a:gdLst/>
-            <a:ahLst/>
-            <a:cxnLst/>
-            <a:rect l="l" t="t" r="r" b="b"/>
-            <a:pathLst>
-              <a:path w="990600" h="457200">
-                <a:moveTo>
-                  <a:pt x="0" y="0"/>
-                </a:moveTo>
-                <a:lnTo>
-                  <a:pt x="990600" y="0"/>
-                </a:lnTo>
-                <a:lnTo>
-                  <a:pt x="990600" y="457200"/>
-                </a:lnTo>
-                <a:lnTo>
-                  <a:pt x="0" y="457200"/>
-                </a:lnTo>
-                <a:lnTo>
-                  <a:pt x="0" y="0"/>
-                </a:lnTo>
-                <a:close/>
-              </a:path>
-            </a:pathLst>
-          </a:custGeom>
-          <a:solidFill>
-            <a:srgbClr val="D4FDD5"/>
-          </a:solidFill>
-        </p:spPr>
-        <p:txBody>
-          <a:bodyPr wrap="square" lIns="0" tIns="0" rIns="0" bIns="0" rtlCol="0"/>
-          <a:lstStyle/>
-          <a:p>
-            <a:endParaRPr/>
-          </a:p>
-        </p:txBody>
-      </p:sp>
-      <p:sp>
-        <p:nvSpPr>
-          <p:cNvPr id="10" name="object 10"/>
-          <p:cNvSpPr/>
-          <p:nvPr/>
-        </p:nvSpPr>
-        <p:spPr>
-          <a:xfrm>
-            <a:off x="7696198" y="2590800"/>
-            <a:ext cx="990600" cy="457200"/>
+            <a:off x="2198914" y="5029200"/>
+            <a:ext cx="7173686" cy="1192634"/>
           </a:xfrm>
           <a:prstGeom prst="rect">
             <a:avLst/>
           </a:prstGeom>
-          <a:blipFill>
-            <a:blip r:embed="rId4" cstate="print"/>
-            <a:stretch>
-              <a:fillRect/>
-            </a:stretch>
-          </a:blipFill>
-        </p:spPr>
-        <p:txBody>
-          <a:bodyPr wrap="square" lIns="0" tIns="0" rIns="0" bIns="0" rtlCol="0"/>
-          <a:lstStyle/>
-          <a:p>
-            <a:endParaRPr/>
-          </a:p>
-        </p:txBody>
-      </p:sp>
-      <p:sp>
-        <p:nvSpPr>
-          <p:cNvPr id="11" name="object 11"/>
-          <p:cNvSpPr/>
-          <p:nvPr/>
-        </p:nvSpPr>
-        <p:spPr>
-          <a:xfrm>
-            <a:off x="7238998" y="2590800"/>
-            <a:ext cx="1828800" cy="1828800"/>
-          </a:xfrm>
-          <a:custGeom>
-            <a:avLst/>
-            <a:gdLst/>
-            <a:ahLst/>
-            <a:cxnLst/>
-            <a:rect l="l" t="t" r="r" b="b"/>
-            <a:pathLst>
-              <a:path w="1828800" h="1828800">
-                <a:moveTo>
-                  <a:pt x="0" y="0"/>
-                </a:moveTo>
-                <a:lnTo>
-                  <a:pt x="1828799" y="0"/>
-                </a:lnTo>
-                <a:lnTo>
-                  <a:pt x="1828799" y="1828799"/>
-                </a:lnTo>
-                <a:lnTo>
-                  <a:pt x="0" y="1828799"/>
-                </a:lnTo>
-                <a:lnTo>
-                  <a:pt x="0" y="0"/>
-                </a:lnTo>
-                <a:close/>
-              </a:path>
-            </a:pathLst>
-          </a:custGeom>
-          <a:ln w="9524">
+          <a:ln w="4156">
             <a:solidFill>
               <a:srgbClr val="000000"/>
             </a:solidFill>
           </a:ln>
         </p:spPr>
         <p:txBody>
-          <a:bodyPr wrap="square" lIns="0" tIns="0" rIns="0" bIns="0" rtlCol="0"/>
-          <a:lstStyle/>
-          <a:p>
-            <a:endParaRPr/>
-          </a:p>
-        </p:txBody>
-      </p:sp>
-      <p:sp>
-        <p:nvSpPr>
-          <p:cNvPr id="12" name="object 12"/>
-          <p:cNvSpPr/>
-          <p:nvPr/>
-        </p:nvSpPr>
-        <p:spPr>
-          <a:xfrm>
-            <a:off x="7696198" y="3048000"/>
-            <a:ext cx="1828800" cy="1828800"/>
-          </a:xfrm>
-          <a:custGeom>
-            <a:avLst/>
-            <a:gdLst/>
-            <a:ahLst/>
-            <a:cxnLst/>
-            <a:rect l="l" t="t" r="r" b="b"/>
-            <a:pathLst>
-              <a:path w="1828800" h="1828800">
-                <a:moveTo>
-                  <a:pt x="0" y="0"/>
-                </a:moveTo>
-                <a:lnTo>
-                  <a:pt x="1828800" y="0"/>
-                </a:lnTo>
-                <a:lnTo>
-                  <a:pt x="1828800" y="1828800"/>
-                </a:lnTo>
-                <a:lnTo>
-                  <a:pt x="0" y="1828800"/>
-                </a:lnTo>
-                <a:lnTo>
-                  <a:pt x="0" y="0"/>
-                </a:lnTo>
-                <a:close/>
-              </a:path>
-            </a:pathLst>
-          </a:custGeom>
-          <a:solidFill>
-            <a:srgbClr val="FFFDA9"/>
-          </a:solidFill>
-        </p:spPr>
-        <p:txBody>
-          <a:bodyPr wrap="square" lIns="0" tIns="0" rIns="0" bIns="0" rtlCol="0"/>
-          <a:lstStyle/>
-          <a:p>
-            <a:endParaRPr/>
-          </a:p>
-        </p:txBody>
-      </p:sp>
-      <p:sp>
-        <p:nvSpPr>
-          <p:cNvPr id="13" name="object 13"/>
-          <p:cNvSpPr/>
-          <p:nvPr/>
-        </p:nvSpPr>
-        <p:spPr>
-          <a:xfrm>
-            <a:off x="7696198" y="3048000"/>
-            <a:ext cx="1828800" cy="1828800"/>
-          </a:xfrm>
-          <a:custGeom>
-            <a:avLst/>
-            <a:gdLst/>
-            <a:ahLst/>
-            <a:cxnLst/>
-            <a:rect l="l" t="t" r="r" b="b"/>
-            <a:pathLst>
-              <a:path w="1828800" h="1828800">
-                <a:moveTo>
-                  <a:pt x="0" y="0"/>
-                </a:moveTo>
-                <a:lnTo>
-                  <a:pt x="1828799" y="0"/>
-                </a:lnTo>
-                <a:lnTo>
-                  <a:pt x="1828799" y="1828799"/>
-                </a:lnTo>
-                <a:lnTo>
-                  <a:pt x="0" y="1828799"/>
-                </a:lnTo>
-                <a:lnTo>
-                  <a:pt x="0" y="0"/>
-                </a:lnTo>
-                <a:close/>
-              </a:path>
-            </a:pathLst>
-          </a:custGeom>
-          <a:ln w="9524">
-            <a:solidFill>
-              <a:srgbClr val="000000"/>
-            </a:solidFill>
-          </a:ln>
-        </p:spPr>
-        <p:txBody>
-          <a:bodyPr wrap="square" lIns="0" tIns="0" rIns="0" bIns="0" rtlCol="0"/>
-          <a:lstStyle/>
-          <a:p>
-            <a:endParaRPr/>
-          </a:p>
-        </p:txBody>
-      </p:sp>
-      <p:sp>
-        <p:nvSpPr>
-          <p:cNvPr id="14" name="object 14"/>
-          <p:cNvSpPr txBox="1"/>
-          <p:nvPr/>
-        </p:nvSpPr>
-        <p:spPr>
-          <a:xfrm>
-            <a:off x="8483598" y="2161959"/>
-            <a:ext cx="1045844" cy="1190069"/>
-          </a:xfrm>
-          <a:prstGeom prst="rect">
-            <a:avLst/>
-          </a:prstGeom>
-        </p:spPr>
-        <p:txBody>
           <a:bodyPr vert="horz" wrap="square" lIns="0" tIns="0" rIns="0" bIns="0" rtlCol="0">
             <a:spAutoFit/>
           </a:bodyPr>
           <a:lstStyle/>
           <a:p>
-            <a:pPr marL="12700"/>
+            <a:pPr marL="88900">
+              <a:lnSpc>
+                <a:spcPts val="2130"/>
+              </a:lnSpc>
+            </a:pPr>
             <a:r>
               <a:rPr spc="-15" dirty="0">
                 <a:latin typeface="Century Gothic"/>
                 <a:cs typeface="Century Gothic"/>
               </a:rPr>
+              <a:t>Academy</a:t>
+            </a:r>
+            <a:r>
+              <a:rPr spc="-5" dirty="0">
+                <a:latin typeface="Century Gothic"/>
+                <a:cs typeface="Century Gothic"/>
+              </a:rPr>
+              <a:t> </a:t>
+            </a:r>
+            <a:r>
+              <a:rPr spc="-10" dirty="0">
+                <a:latin typeface="Century Gothic"/>
+                <a:cs typeface="Century Gothic"/>
+              </a:rPr>
+              <a:t>of</a:t>
+            </a:r>
+            <a:r>
+              <a:rPr spc="-5" dirty="0">
+                <a:latin typeface="Century Gothic"/>
+                <a:cs typeface="Century Gothic"/>
+              </a:rPr>
+              <a:t> </a:t>
+            </a:r>
+            <a:r>
+              <a:rPr spc="-15" dirty="0">
+                <a:latin typeface="Century Gothic"/>
+                <a:cs typeface="Century Gothic"/>
+              </a:rPr>
+              <a:t>Mot</a:t>
+            </a:r>
+            <a:r>
+              <a:rPr dirty="0">
+                <a:latin typeface="Century Gothic"/>
+                <a:cs typeface="Century Gothic"/>
+              </a:rPr>
+              <a:t>i</a:t>
+            </a:r>
+            <a:r>
+              <a:rPr spc="-15" dirty="0">
+                <a:latin typeface="Century Gothic"/>
+                <a:cs typeface="Century Gothic"/>
+              </a:rPr>
+              <a:t>on</a:t>
+            </a:r>
+            <a:r>
+              <a:rPr spc="-5" dirty="0">
+                <a:latin typeface="Century Gothic"/>
+                <a:cs typeface="Century Gothic"/>
+              </a:rPr>
+              <a:t> </a:t>
+            </a:r>
+            <a:r>
+              <a:rPr spc="-15" dirty="0">
+                <a:latin typeface="Century Gothic"/>
+                <a:cs typeface="Century Gothic"/>
+              </a:rPr>
+              <a:t>P</a:t>
+            </a:r>
+            <a:r>
+              <a:rPr dirty="0">
+                <a:latin typeface="Century Gothic"/>
+                <a:cs typeface="Century Gothic"/>
+              </a:rPr>
+              <a:t>i</a:t>
+            </a:r>
+            <a:r>
+              <a:rPr spc="-10" dirty="0">
+                <a:latin typeface="Century Gothic"/>
+                <a:cs typeface="Century Gothic"/>
+              </a:rPr>
+              <a:t>ctu</a:t>
+            </a:r>
+            <a:r>
+              <a:rPr spc="-20" dirty="0">
+                <a:latin typeface="Century Gothic"/>
+                <a:cs typeface="Century Gothic"/>
+              </a:rPr>
+              <a:t>r</a:t>
+            </a:r>
+            <a:r>
+              <a:rPr spc="-15" dirty="0">
+                <a:latin typeface="Century Gothic"/>
+                <a:cs typeface="Century Gothic"/>
+              </a:rPr>
+              <a:t>e</a:t>
+            </a:r>
+            <a:r>
+              <a:rPr spc="-5" dirty="0">
+                <a:latin typeface="Century Gothic"/>
+                <a:cs typeface="Century Gothic"/>
+              </a:rPr>
+              <a:t> </a:t>
+            </a:r>
+            <a:r>
+              <a:rPr spc="-10" dirty="0">
+                <a:latin typeface="Century Gothic"/>
+                <a:cs typeface="Century Gothic"/>
+              </a:rPr>
+              <a:t>Art</a:t>
+            </a:r>
+            <a:r>
+              <a:rPr dirty="0">
+                <a:latin typeface="Century Gothic"/>
+                <a:cs typeface="Century Gothic"/>
+              </a:rPr>
+              <a:t>s</a:t>
+            </a:r>
+            <a:r>
+              <a:rPr spc="-5" dirty="0">
+                <a:latin typeface="Century Gothic"/>
+                <a:cs typeface="Century Gothic"/>
+              </a:rPr>
+              <a:t> </a:t>
+            </a:r>
+            <a:r>
+              <a:rPr spc="-15" dirty="0">
+                <a:latin typeface="Century Gothic"/>
+                <a:cs typeface="Century Gothic"/>
+              </a:rPr>
+              <a:t>&amp;</a:t>
+            </a:r>
+            <a:r>
+              <a:rPr spc="-5" dirty="0">
+                <a:latin typeface="Century Gothic"/>
+                <a:cs typeface="Century Gothic"/>
+              </a:rPr>
+              <a:t> </a:t>
+            </a:r>
+            <a:r>
+              <a:rPr dirty="0">
+                <a:latin typeface="Century Gothic"/>
+                <a:cs typeface="Century Gothic"/>
+              </a:rPr>
+              <a:t>Sci</a:t>
+            </a:r>
+            <a:r>
+              <a:rPr spc="-15" dirty="0">
+                <a:latin typeface="Century Gothic"/>
+                <a:cs typeface="Century Gothic"/>
+              </a:rPr>
+              <a:t>ence</a:t>
+            </a:r>
+            <a:r>
+              <a:rPr dirty="0">
+                <a:latin typeface="Century Gothic"/>
+                <a:cs typeface="Century Gothic"/>
+              </a:rPr>
+              <a:t>s</a:t>
+            </a:r>
+          </a:p>
+          <a:p>
+            <a:pPr marL="88900">
+              <a:lnSpc>
+                <a:spcPts val="1880"/>
+              </a:lnSpc>
+            </a:pPr>
+            <a:r>
+              <a:rPr sz="1600" dirty="0">
+                <a:latin typeface="Century Gothic"/>
+                <a:cs typeface="Century Gothic"/>
+              </a:rPr>
+              <a:t>Sci</a:t>
+            </a:r>
+            <a:r>
+              <a:rPr sz="1600" spc="-10" dirty="0">
+                <a:latin typeface="Century Gothic"/>
+                <a:cs typeface="Century Gothic"/>
+              </a:rPr>
+              <a:t>entifi</a:t>
+            </a:r>
+            <a:r>
+              <a:rPr sz="1600" spc="-15" dirty="0">
+                <a:latin typeface="Century Gothic"/>
+                <a:cs typeface="Century Gothic"/>
+              </a:rPr>
+              <a:t>c</a:t>
+            </a:r>
+            <a:r>
+              <a:rPr sz="1600" spc="-5" dirty="0">
+                <a:latin typeface="Century Gothic"/>
+                <a:cs typeface="Century Gothic"/>
+              </a:rPr>
+              <a:t> </a:t>
+            </a:r>
+            <a:r>
+              <a:rPr sz="1600" dirty="0">
+                <a:latin typeface="Century Gothic"/>
+                <a:cs typeface="Century Gothic"/>
+              </a:rPr>
+              <a:t>a</a:t>
+            </a:r>
+            <a:r>
+              <a:rPr sz="1600" spc="-10" dirty="0">
+                <a:latin typeface="Century Gothic"/>
+                <a:cs typeface="Century Gothic"/>
+              </a:rPr>
+              <a:t>n</a:t>
+            </a:r>
+            <a:r>
+              <a:rPr sz="1600" dirty="0">
+                <a:latin typeface="Century Gothic"/>
+                <a:cs typeface="Century Gothic"/>
+              </a:rPr>
+              <a:t>d E</a:t>
+            </a:r>
+            <a:r>
+              <a:rPr sz="1600" spc="-15" dirty="0">
+                <a:latin typeface="Century Gothic"/>
+                <a:cs typeface="Century Gothic"/>
+              </a:rPr>
+              <a:t>ng</a:t>
+            </a:r>
+            <a:r>
+              <a:rPr sz="1600" dirty="0">
+                <a:latin typeface="Century Gothic"/>
+                <a:cs typeface="Century Gothic"/>
+              </a:rPr>
+              <a:t>i</a:t>
+            </a:r>
+            <a:r>
+              <a:rPr sz="1600" spc="-10" dirty="0">
+                <a:latin typeface="Century Gothic"/>
+                <a:cs typeface="Century Gothic"/>
+              </a:rPr>
+              <a:t>neer</a:t>
+            </a:r>
+            <a:r>
+              <a:rPr sz="1600" dirty="0">
+                <a:latin typeface="Century Gothic"/>
+                <a:cs typeface="Century Gothic"/>
+              </a:rPr>
+              <a:t>i</a:t>
+            </a:r>
+            <a:r>
+              <a:rPr sz="1600" spc="-15" dirty="0">
+                <a:latin typeface="Century Gothic"/>
+                <a:cs typeface="Century Gothic"/>
+              </a:rPr>
+              <a:t>ng</a:t>
+            </a:r>
+            <a:r>
+              <a:rPr sz="1600" dirty="0">
+                <a:latin typeface="Century Gothic"/>
+                <a:cs typeface="Century Gothic"/>
+              </a:rPr>
+              <a:t> </a:t>
+            </a:r>
+            <a:r>
+              <a:rPr sz="1600" spc="-120" dirty="0">
+                <a:latin typeface="Century Gothic"/>
+                <a:cs typeface="Century Gothic"/>
+              </a:rPr>
+              <a:t>A</a:t>
+            </a:r>
+            <a:r>
+              <a:rPr sz="1600" dirty="0">
+                <a:latin typeface="Century Gothic"/>
+                <a:cs typeface="Century Gothic"/>
+              </a:rPr>
+              <a:t>wa</a:t>
+            </a:r>
+            <a:r>
+              <a:rPr sz="1600" spc="-15" dirty="0">
+                <a:latin typeface="Century Gothic"/>
+                <a:cs typeface="Century Gothic"/>
+              </a:rPr>
+              <a:t>r</a:t>
+            </a:r>
+            <a:r>
+              <a:rPr sz="1600" dirty="0">
+                <a:latin typeface="Century Gothic"/>
+                <a:cs typeface="Century Gothic"/>
+              </a:rPr>
+              <a:t>d</a:t>
+            </a:r>
+          </a:p>
+          <a:p>
+            <a:pPr marL="88900" marR="1426210">
+              <a:lnSpc>
+                <a:spcPts val="1700"/>
+              </a:lnSpc>
+              <a:spcBef>
+                <a:spcPts val="30"/>
+              </a:spcBef>
+            </a:pPr>
+            <a:r>
+              <a:rPr sz="1400" spc="-80" dirty="0">
+                <a:latin typeface="Century Gothic"/>
+                <a:cs typeface="Century Gothic"/>
+              </a:rPr>
+              <a:t>T</a:t>
+            </a:r>
+            <a:r>
+              <a:rPr sz="1400" spc="-10" dirty="0">
+                <a:latin typeface="Century Gothic"/>
+                <a:cs typeface="Century Gothic"/>
+              </a:rPr>
+              <a:t>o</a:t>
+            </a:r>
+            <a:r>
+              <a:rPr sz="1400" spc="-5" dirty="0">
+                <a:latin typeface="Century Gothic"/>
+                <a:cs typeface="Century Gothic"/>
+              </a:rPr>
+              <a:t> </a:t>
+            </a:r>
+            <a:r>
+              <a:rPr sz="1400" spc="-15" dirty="0">
+                <a:latin typeface="Century Gothic"/>
+                <a:cs typeface="Century Gothic"/>
+              </a:rPr>
+              <a:t>A</a:t>
+            </a:r>
+            <a:r>
+              <a:rPr sz="1400" dirty="0">
+                <a:latin typeface="Century Gothic"/>
+                <a:cs typeface="Century Gothic"/>
+              </a:rPr>
+              <a:t>lvy</a:t>
+            </a:r>
+            <a:r>
+              <a:rPr sz="1400" spc="-5" dirty="0">
+                <a:latin typeface="Century Gothic"/>
+                <a:cs typeface="Century Gothic"/>
+              </a:rPr>
+              <a:t> </a:t>
+            </a:r>
+            <a:r>
+              <a:rPr sz="1400" spc="-10" dirty="0">
+                <a:latin typeface="Century Gothic"/>
+                <a:cs typeface="Century Gothic"/>
+              </a:rPr>
+              <a:t>R</a:t>
+            </a:r>
+            <a:r>
+              <a:rPr sz="1400" dirty="0">
+                <a:latin typeface="Century Gothic"/>
+                <a:cs typeface="Century Gothic"/>
+              </a:rPr>
+              <a:t>ay</a:t>
+            </a:r>
+            <a:r>
+              <a:rPr sz="1400" spc="-5" dirty="0">
+                <a:latin typeface="Century Gothic"/>
+                <a:cs typeface="Century Gothic"/>
+              </a:rPr>
+              <a:t> </a:t>
+            </a:r>
+            <a:r>
+              <a:rPr sz="1400" dirty="0">
+                <a:latin typeface="Century Gothic"/>
+                <a:cs typeface="Century Gothic"/>
+              </a:rPr>
+              <a:t>Smi</a:t>
+            </a:r>
+            <a:r>
+              <a:rPr sz="1400" spc="-10" dirty="0">
+                <a:latin typeface="Century Gothic"/>
+                <a:cs typeface="Century Gothic"/>
+              </a:rPr>
+              <a:t>th,</a:t>
+            </a:r>
+            <a:r>
+              <a:rPr sz="1400" dirty="0">
+                <a:latin typeface="Century Gothic"/>
+                <a:cs typeface="Century Gothic"/>
+              </a:rPr>
+              <a:t> </a:t>
+            </a:r>
+            <a:r>
+              <a:rPr sz="1400" spc="-80" dirty="0">
+                <a:latin typeface="Century Gothic"/>
+                <a:cs typeface="Century Gothic"/>
+              </a:rPr>
+              <a:t>T</a:t>
+            </a:r>
+            <a:r>
+              <a:rPr sz="1400" spc="-15" dirty="0">
+                <a:latin typeface="Century Gothic"/>
+                <a:cs typeface="Century Gothic"/>
+              </a:rPr>
+              <a:t>om</a:t>
+            </a:r>
+            <a:r>
+              <a:rPr sz="1400" spc="-5" dirty="0">
+                <a:latin typeface="Century Gothic"/>
+                <a:cs typeface="Century Gothic"/>
+              </a:rPr>
+              <a:t> </a:t>
+            </a:r>
+            <a:r>
+              <a:rPr sz="1400" dirty="0">
+                <a:latin typeface="Century Gothic"/>
+                <a:cs typeface="Century Gothic"/>
+              </a:rPr>
+              <a:t>D</a:t>
+            </a:r>
+            <a:r>
+              <a:rPr sz="1400" spc="-10" dirty="0">
+                <a:latin typeface="Century Gothic"/>
+                <a:cs typeface="Century Gothic"/>
+              </a:rPr>
+              <a:t>uff,</a:t>
+            </a:r>
+            <a:r>
+              <a:rPr sz="1400" dirty="0">
+                <a:latin typeface="Century Gothic"/>
+                <a:cs typeface="Century Gothic"/>
+              </a:rPr>
+              <a:t> Ed Ca</a:t>
+            </a:r>
+            <a:r>
+              <a:rPr sz="1400" spc="-10" dirty="0">
+                <a:latin typeface="Century Gothic"/>
+                <a:cs typeface="Century Gothic"/>
+              </a:rPr>
+              <a:t>tmu</a:t>
+            </a:r>
+            <a:r>
+              <a:rPr sz="1400" dirty="0">
+                <a:latin typeface="Century Gothic"/>
+                <a:cs typeface="Century Gothic"/>
+              </a:rPr>
+              <a:t>ll</a:t>
+            </a:r>
+            <a:r>
+              <a:rPr sz="1400" spc="-5" dirty="0">
+                <a:latin typeface="Century Gothic"/>
+                <a:cs typeface="Century Gothic"/>
+              </a:rPr>
+              <a:t> </a:t>
+            </a:r>
+            <a:r>
+              <a:rPr sz="1400" dirty="0">
+                <a:latin typeface="Century Gothic"/>
+                <a:cs typeface="Century Gothic"/>
+              </a:rPr>
+              <a:t>a</a:t>
+            </a:r>
+            <a:r>
+              <a:rPr sz="1400" spc="-10" dirty="0">
+                <a:latin typeface="Century Gothic"/>
+                <a:cs typeface="Century Gothic"/>
+              </a:rPr>
+              <a:t>n</a:t>
+            </a:r>
+            <a:r>
+              <a:rPr sz="1400" dirty="0">
+                <a:latin typeface="Century Gothic"/>
+                <a:cs typeface="Century Gothic"/>
+              </a:rPr>
+              <a:t>d </a:t>
+            </a:r>
+            <a:r>
+              <a:rPr sz="1400" spc="-10" dirty="0">
+                <a:latin typeface="Century Gothic"/>
+                <a:cs typeface="Century Gothic"/>
+              </a:rPr>
+              <a:t>Tho</a:t>
+            </a:r>
+            <a:r>
+              <a:rPr sz="1400" dirty="0">
+                <a:latin typeface="Century Gothic"/>
+                <a:cs typeface="Century Gothic"/>
+              </a:rPr>
+              <a:t>mas</a:t>
+            </a:r>
+            <a:r>
+              <a:rPr sz="1400" spc="-5" dirty="0">
+                <a:latin typeface="Century Gothic"/>
+                <a:cs typeface="Century Gothic"/>
+              </a:rPr>
+              <a:t> </a:t>
+            </a:r>
+            <a:r>
+              <a:rPr sz="1400" spc="-10" dirty="0">
+                <a:latin typeface="Century Gothic"/>
+                <a:cs typeface="Century Gothic"/>
+              </a:rPr>
+              <a:t>Porter for</a:t>
+            </a:r>
+            <a:r>
+              <a:rPr sz="1400" spc="-5" dirty="0">
+                <a:latin typeface="Century Gothic"/>
+                <a:cs typeface="Century Gothic"/>
+              </a:rPr>
+              <a:t> </a:t>
+            </a:r>
+            <a:r>
+              <a:rPr sz="1400" spc="-10" dirty="0">
+                <a:latin typeface="Century Gothic"/>
+                <a:cs typeface="Century Gothic"/>
+              </a:rPr>
+              <a:t>the</a:t>
+            </a:r>
+            <a:r>
+              <a:rPr sz="1400" dirty="0">
+                <a:latin typeface="Century Gothic"/>
+                <a:cs typeface="Century Gothic"/>
+              </a:rPr>
+              <a:t>i</a:t>
+            </a:r>
+            <a:r>
+              <a:rPr sz="1400" spc="-5" dirty="0">
+                <a:latin typeface="Century Gothic"/>
+                <a:cs typeface="Century Gothic"/>
+              </a:rPr>
+              <a:t>r </a:t>
+            </a:r>
+            <a:r>
+              <a:rPr sz="1400" spc="-10" dirty="0">
+                <a:latin typeface="Century Gothic"/>
+                <a:cs typeface="Century Gothic"/>
+              </a:rPr>
+              <a:t>P</a:t>
+            </a:r>
+            <a:r>
+              <a:rPr sz="1400" dirty="0">
+                <a:latin typeface="Century Gothic"/>
+                <a:cs typeface="Century Gothic"/>
+              </a:rPr>
+              <a:t>i</a:t>
+            </a:r>
+            <a:r>
+              <a:rPr sz="1400" spc="-10" dirty="0">
+                <a:latin typeface="Century Gothic"/>
+                <a:cs typeface="Century Gothic"/>
+              </a:rPr>
+              <a:t>oneer</a:t>
+            </a:r>
+            <a:r>
+              <a:rPr sz="1400" dirty="0">
+                <a:latin typeface="Century Gothic"/>
+                <a:cs typeface="Century Gothic"/>
+              </a:rPr>
+              <a:t>i</a:t>
+            </a:r>
+            <a:r>
+              <a:rPr sz="1400" spc="-10" dirty="0">
+                <a:latin typeface="Century Gothic"/>
+                <a:cs typeface="Century Gothic"/>
+              </a:rPr>
+              <a:t>ng</a:t>
+            </a:r>
+            <a:r>
+              <a:rPr sz="1400" dirty="0">
+                <a:latin typeface="Century Gothic"/>
+                <a:cs typeface="Century Gothic"/>
+              </a:rPr>
+              <a:t> I</a:t>
+            </a:r>
+            <a:r>
+              <a:rPr sz="1400" spc="-10" dirty="0">
+                <a:latin typeface="Century Gothic"/>
+                <a:cs typeface="Century Gothic"/>
+              </a:rPr>
+              <a:t>n</a:t>
+            </a:r>
+            <a:r>
+              <a:rPr sz="1400" dirty="0">
+                <a:latin typeface="Century Gothic"/>
+                <a:cs typeface="Century Gothic"/>
+              </a:rPr>
+              <a:t>v</a:t>
+            </a:r>
+            <a:r>
+              <a:rPr sz="1400" spc="-10" dirty="0">
+                <a:latin typeface="Century Gothic"/>
+                <a:cs typeface="Century Gothic"/>
+              </a:rPr>
+              <a:t>ent</a:t>
+            </a:r>
+            <a:r>
+              <a:rPr sz="1400" dirty="0">
+                <a:latin typeface="Century Gothic"/>
+                <a:cs typeface="Century Gothic"/>
+              </a:rPr>
+              <a:t>i</a:t>
+            </a:r>
+            <a:r>
+              <a:rPr sz="1400" spc="-10" dirty="0">
+                <a:latin typeface="Century Gothic"/>
+                <a:cs typeface="Century Gothic"/>
+              </a:rPr>
+              <a:t>on</a:t>
+            </a:r>
+            <a:r>
+              <a:rPr sz="1400" dirty="0">
+                <a:latin typeface="Century Gothic"/>
+                <a:cs typeface="Century Gothic"/>
+              </a:rPr>
+              <a:t>s</a:t>
+            </a:r>
+            <a:r>
+              <a:rPr sz="1400" spc="-5" dirty="0">
+                <a:latin typeface="Century Gothic"/>
+                <a:cs typeface="Century Gothic"/>
+              </a:rPr>
+              <a:t> </a:t>
+            </a:r>
+            <a:r>
+              <a:rPr sz="1400" dirty="0">
+                <a:latin typeface="Century Gothic"/>
+                <a:cs typeface="Century Gothic"/>
+              </a:rPr>
+              <a:t>i</a:t>
+            </a:r>
+            <a:r>
+              <a:rPr sz="1400" spc="-10" dirty="0">
+                <a:latin typeface="Century Gothic"/>
+                <a:cs typeface="Century Gothic"/>
+              </a:rPr>
+              <a:t>n</a:t>
+            </a:r>
+            <a:r>
+              <a:rPr sz="1400" dirty="0">
+                <a:latin typeface="Century Gothic"/>
+                <a:cs typeface="Century Gothic"/>
+              </a:rPr>
+              <a:t> </a:t>
+            </a:r>
+            <a:r>
+              <a:rPr sz="1400" b="1" dirty="0">
+                <a:solidFill>
+                  <a:srgbClr val="C00000"/>
+                </a:solidFill>
+                <a:latin typeface="Century Gothic"/>
+                <a:cs typeface="Century Gothic"/>
+              </a:rPr>
+              <a:t>Di</a:t>
+            </a:r>
+            <a:r>
+              <a:rPr sz="1400" b="1" spc="-10" dirty="0">
+                <a:solidFill>
+                  <a:srgbClr val="C00000"/>
+                </a:solidFill>
+                <a:latin typeface="Century Gothic"/>
+                <a:cs typeface="Century Gothic"/>
+              </a:rPr>
+              <a:t>g</a:t>
+            </a:r>
+            <a:r>
+              <a:rPr sz="1400" b="1" dirty="0">
+                <a:solidFill>
+                  <a:srgbClr val="C00000"/>
+                </a:solidFill>
+                <a:latin typeface="Century Gothic"/>
+                <a:cs typeface="Century Gothic"/>
+              </a:rPr>
+              <a:t>i</a:t>
+            </a:r>
+            <a:r>
+              <a:rPr sz="1400" b="1" spc="-5" dirty="0">
+                <a:solidFill>
+                  <a:srgbClr val="C00000"/>
+                </a:solidFill>
+                <a:latin typeface="Century Gothic"/>
+                <a:cs typeface="Century Gothic"/>
+              </a:rPr>
+              <a:t>t</a:t>
+            </a:r>
+            <a:r>
+              <a:rPr sz="1400" b="1" dirty="0">
+                <a:solidFill>
+                  <a:srgbClr val="C00000"/>
+                </a:solidFill>
+                <a:latin typeface="Century Gothic"/>
+                <a:cs typeface="Century Gothic"/>
+              </a:rPr>
+              <a:t>al</a:t>
+            </a:r>
+            <a:r>
+              <a:rPr sz="1400" b="1" spc="-5" dirty="0">
+                <a:solidFill>
+                  <a:srgbClr val="C00000"/>
+                </a:solidFill>
+                <a:latin typeface="Century Gothic"/>
+                <a:cs typeface="Century Gothic"/>
+              </a:rPr>
+              <a:t> </a:t>
+            </a:r>
+            <a:r>
+              <a:rPr sz="1400" b="1" dirty="0">
+                <a:solidFill>
+                  <a:srgbClr val="C00000"/>
+                </a:solidFill>
+                <a:latin typeface="Century Gothic"/>
+                <a:cs typeface="Century Gothic"/>
+              </a:rPr>
+              <a:t>Ima</a:t>
+            </a:r>
+            <a:r>
+              <a:rPr sz="1400" b="1" spc="-10" dirty="0">
+                <a:solidFill>
+                  <a:srgbClr val="C00000"/>
+                </a:solidFill>
+                <a:latin typeface="Century Gothic"/>
+                <a:cs typeface="Century Gothic"/>
+              </a:rPr>
+              <a:t>ge</a:t>
+            </a:r>
+            <a:r>
+              <a:rPr lang="en-US" sz="1400" b="1" spc="-5" dirty="0">
+                <a:solidFill>
+                  <a:srgbClr val="C00000"/>
+                </a:solidFill>
+                <a:latin typeface="Century Gothic"/>
+                <a:cs typeface="Century Gothic"/>
+              </a:rPr>
+              <a:t> </a:t>
+            </a:r>
+            <a:r>
+              <a:rPr sz="1400" b="1" dirty="0">
+                <a:solidFill>
+                  <a:srgbClr val="C00000"/>
+                </a:solidFill>
+                <a:latin typeface="Century Gothic"/>
+                <a:cs typeface="Century Gothic"/>
+              </a:rPr>
               <a:t>C</a:t>
             </a:r>
-            <a:endParaRPr>
+            <a:r>
+              <a:rPr lang="en-US" sz="1400" b="1" dirty="0">
+                <a:solidFill>
+                  <a:srgbClr val="C00000"/>
+                </a:solidFill>
+                <a:latin typeface="Century Gothic"/>
+                <a:cs typeface="Century Gothic"/>
+              </a:rPr>
+              <a:t>ompositing</a:t>
+            </a:r>
+            <a:r>
+              <a:rPr sz="1400" spc="-5" dirty="0">
+                <a:latin typeface="Century Gothic"/>
+                <a:cs typeface="Century Gothic"/>
+              </a:rPr>
+              <a:t>.</a:t>
+            </a:r>
+            <a:endParaRPr sz="1400" dirty="0">
               <a:latin typeface="Century Gothic"/>
               <a:cs typeface="Century Gothic"/>
             </a:endParaRPr>
           </a:p>
           <a:p>
-            <a:pPr algn="ctr">
-              <a:spcBef>
-                <a:spcPts val="1440"/>
-              </a:spcBef>
+            <a:pPr marL="88900">
+              <a:lnSpc>
+                <a:spcPts val="1880"/>
+              </a:lnSpc>
             </a:pPr>
             <a:r>
-              <a:rPr dirty="0">
-                <a:latin typeface="Century Gothic"/>
-                <a:cs typeface="Century Gothic"/>
-              </a:rPr>
-              <a:t>B</a:t>
-            </a:r>
-            <a:endParaRPr>
-              <a:latin typeface="Century Gothic"/>
-              <a:cs typeface="Century Gothic"/>
-            </a:endParaRPr>
-          </a:p>
-          <a:p>
-            <a:pPr marR="5080" algn="r">
-              <a:spcBef>
-                <a:spcPts val="1440"/>
-              </a:spcBef>
-            </a:pPr>
-            <a:r>
-              <a:rPr spc="-15" dirty="0">
-                <a:latin typeface="Century Gothic"/>
-                <a:cs typeface="Century Gothic"/>
-              </a:rPr>
-              <a:t>A</a:t>
-            </a:r>
-            <a:endParaRPr>
-              <a:latin typeface="Century Gothic"/>
-              <a:cs typeface="Century Gothic"/>
-            </a:endParaRPr>
-          </a:p>
-        </p:txBody>
-      </p:sp>
-      <p:sp>
-        <p:nvSpPr>
-          <p:cNvPr id="15" name="Title 14">
-            <a:extLst>
-              <a:ext uri="{FF2B5EF4-FFF2-40B4-BE49-F238E27FC236}">
-                <a16:creationId xmlns:a16="http://schemas.microsoft.com/office/drawing/2014/main" id="{A9980AD3-7698-4C5F-802D-B29DFAA99A70}"/>
-              </a:ext>
-            </a:extLst>
-          </p:cNvPr>
-          <p:cNvSpPr>
-            <a:spLocks noGrp="1"/>
-          </p:cNvSpPr>
-          <p:nvPr>
-            <p:ph type="title"/>
-          </p:nvPr>
-        </p:nvSpPr>
-        <p:spPr/>
-        <p:txBody>
-          <a:bodyPr/>
-          <a:lstStyle/>
-          <a:p>
-            <a:r>
-              <a:rPr lang="en-US" dirty="0"/>
-              <a:t>Is Over Associative?</a:t>
-            </a:r>
-          </a:p>
-        </p:txBody>
-      </p:sp>
-      <p:sp>
-        <p:nvSpPr>
-          <p:cNvPr id="16" name="object 16"/>
-          <p:cNvSpPr txBox="1">
-            <a:spLocks noGrp="1"/>
-          </p:cNvSpPr>
-          <p:nvPr>
-            <p:ph idx="1"/>
-          </p:nvPr>
-        </p:nvSpPr>
-        <p:spPr>
-          <a:prstGeom prst="rect">
-            <a:avLst/>
-          </a:prstGeom>
-        </p:spPr>
-        <p:txBody>
-          <a:bodyPr vert="horz" wrap="square" lIns="0" tIns="0" rIns="0" bIns="0" rtlCol="0">
-            <a:spAutoFit/>
-          </a:bodyPr>
-          <a:lstStyle/>
-          <a:p>
-            <a:pPr marL="354965">
-              <a:spcBef>
-                <a:spcPts val="290"/>
-              </a:spcBef>
-            </a:pPr>
-            <a:r>
-              <a:rPr lang="en-US" sz="2400" i="1" spc="-15" dirty="0">
-                <a:cs typeface="Century Gothic"/>
-              </a:rPr>
-              <a:t>A</a:t>
-            </a:r>
-            <a:r>
-              <a:rPr lang="en-US" sz="2400" i="1" spc="-5" dirty="0">
+              <a:rPr sz="1600" spc="-10" dirty="0">
+                <a:latin typeface="Century Gothic"/>
+                <a:cs typeface="Century Gothic"/>
+              </a:rPr>
+              <a:t>PRESENTED</a:t>
+            </a:r>
+            <a:r>
+              <a:rPr sz="1600" spc="-5" dirty="0">
+                <a:latin typeface="Century Gothic"/>
                 <a:cs typeface="Century Gothic"/>
               </a:rPr>
               <a:t> </a:t>
             </a:r>
             <a:r>
-              <a:rPr lang="en-US" sz="2400" spc="-15" dirty="0"/>
-              <a:t>over</a:t>
-            </a:r>
-            <a:r>
-              <a:rPr lang="en-US" sz="2400" spc="-5" dirty="0"/>
+              <a:rPr sz="1600" spc="-15" dirty="0">
+                <a:latin typeface="Century Gothic"/>
+                <a:cs typeface="Century Gothic"/>
+              </a:rPr>
+              <a:t>MAR</a:t>
+            </a:r>
+            <a:r>
+              <a:rPr sz="1600" dirty="0">
+                <a:latin typeface="Century Gothic"/>
+                <a:cs typeface="Century Gothic"/>
+              </a:rPr>
+              <a:t>CH</a:t>
+            </a:r>
+            <a:r>
+              <a:rPr sz="1600" spc="-5" dirty="0">
+                <a:latin typeface="Century Gothic"/>
+                <a:cs typeface="Century Gothic"/>
+              </a:rPr>
               <a:t> </a:t>
             </a:r>
             <a:r>
-              <a:rPr lang="en-US" sz="2400" dirty="0"/>
-              <a:t>(</a:t>
-            </a:r>
-            <a:r>
-              <a:rPr lang="en-US" sz="2400" i="1" dirty="0">
-                <a:cs typeface="Century Gothic"/>
-              </a:rPr>
-              <a:t>B</a:t>
-            </a:r>
-            <a:r>
-              <a:rPr lang="en-US" sz="2400" i="1" spc="-5" dirty="0">
-                <a:cs typeface="Century Gothic"/>
-              </a:rPr>
-              <a:t> </a:t>
-            </a:r>
-            <a:r>
-              <a:rPr lang="en-US" sz="2400" spc="-15" dirty="0"/>
-              <a:t>over</a:t>
-            </a:r>
-            <a:r>
-              <a:rPr lang="en-US" sz="2400" spc="-5" dirty="0"/>
-              <a:t> </a:t>
-            </a:r>
-            <a:r>
-              <a:rPr lang="en-US" sz="2400" i="1" spc="-20" dirty="0">
-                <a:cs typeface="Century Gothic"/>
-              </a:rPr>
-              <a:t>C</a:t>
-            </a:r>
-            <a:r>
-              <a:rPr lang="en-US" sz="2400" dirty="0"/>
-              <a:t>)</a:t>
-            </a:r>
-            <a:endParaRPr lang="en-US" sz="2400" spc="-15" dirty="0"/>
-          </a:p>
-          <a:p>
-            <a:pPr marL="697865" lvl="1">
-              <a:spcBef>
-                <a:spcPts val="290"/>
-              </a:spcBef>
-            </a:pPr>
-            <a:r>
-              <a:rPr spc="-15" dirty="0"/>
-              <a:t>=</a:t>
-            </a:r>
-            <a:r>
-              <a:rPr spc="-5" dirty="0"/>
-              <a:t> </a:t>
-            </a:r>
-            <a:r>
-              <a:rPr i="1" spc="-15" dirty="0">
-                <a:latin typeface="Century Gothic"/>
-                <a:cs typeface="Century Gothic"/>
-              </a:rPr>
-              <a:t>C</a:t>
-            </a:r>
-            <a:r>
-              <a:rPr i="1" spc="22" baseline="-22727" dirty="0">
-                <a:latin typeface="Century Gothic"/>
-                <a:cs typeface="Century Gothic"/>
-              </a:rPr>
-              <a:t>A</a:t>
-            </a:r>
-            <a:r>
-              <a:rPr i="1" baseline="-22727" dirty="0">
-                <a:latin typeface="Century Gothic"/>
-                <a:cs typeface="Century Gothic"/>
-              </a:rPr>
-              <a:t> </a:t>
-            </a:r>
-            <a:r>
-              <a:rPr i="1" spc="-209" baseline="-22727" dirty="0">
-                <a:latin typeface="Century Gothic"/>
-                <a:cs typeface="Century Gothic"/>
-              </a:rPr>
-              <a:t> </a:t>
-            </a:r>
-            <a:r>
-              <a:rPr spc="-15" dirty="0"/>
-              <a:t>+</a:t>
-            </a:r>
-            <a:r>
-              <a:rPr dirty="0"/>
-              <a:t> (1</a:t>
-            </a:r>
-            <a:r>
-              <a:rPr spc="-5" dirty="0"/>
-              <a:t>-</a:t>
-            </a:r>
-            <a:r>
-              <a:rPr lang="en-US" sz="2800" spc="-35" dirty="0">
-                <a:solidFill>
-                  <a:srgbClr val="595959"/>
-                </a:solidFill>
-                <a:latin typeface="Symbol"/>
-                <a:cs typeface="Century Gothic"/>
-                <a:sym typeface="Symbol" panose="05050102010706020507" pitchFamily="18" charset="2"/>
-              </a:rPr>
-              <a:t>  </a:t>
-            </a:r>
-            <a:r>
-              <a:rPr i="1" spc="22" baseline="-22727" dirty="0">
-                <a:latin typeface="Century Gothic"/>
-                <a:cs typeface="Century Gothic"/>
-              </a:rPr>
-              <a:t>A</a:t>
-            </a:r>
-            <a:r>
-              <a:rPr dirty="0"/>
-              <a:t>)(</a:t>
-            </a:r>
-            <a:r>
-              <a:rPr i="1" spc="-15" dirty="0">
-                <a:latin typeface="Century Gothic"/>
-                <a:cs typeface="Century Gothic"/>
-              </a:rPr>
-              <a:t>C</a:t>
-            </a:r>
-            <a:r>
-              <a:rPr i="1" spc="22" baseline="-22727" dirty="0">
-                <a:latin typeface="Century Gothic"/>
-                <a:cs typeface="Century Gothic"/>
-              </a:rPr>
-              <a:t>B</a:t>
-            </a:r>
-            <a:r>
-              <a:rPr i="1" baseline="-22727" dirty="0">
-                <a:latin typeface="Century Gothic"/>
-                <a:cs typeface="Century Gothic"/>
-              </a:rPr>
-              <a:t> </a:t>
-            </a:r>
-            <a:r>
-              <a:rPr i="1" spc="-209" baseline="-22727" dirty="0">
-                <a:latin typeface="Century Gothic"/>
-                <a:cs typeface="Century Gothic"/>
-              </a:rPr>
-              <a:t> </a:t>
-            </a:r>
-            <a:r>
-              <a:rPr spc="-15" dirty="0"/>
-              <a:t>+</a:t>
-            </a:r>
-            <a:r>
-              <a:rPr dirty="0"/>
-              <a:t> (1</a:t>
-            </a:r>
-            <a:r>
-              <a:rPr spc="-5" dirty="0"/>
-              <a:t>-</a:t>
-            </a:r>
-            <a:r>
-              <a:rPr lang="en-US" sz="2800" spc="-35" dirty="0">
-                <a:solidFill>
-                  <a:srgbClr val="595959"/>
-                </a:solidFill>
-                <a:latin typeface="Symbol"/>
-                <a:cs typeface="Century Gothic"/>
-                <a:sym typeface="Symbol" panose="05050102010706020507" pitchFamily="18" charset="2"/>
-              </a:rPr>
-              <a:t>  </a:t>
-            </a:r>
-            <a:r>
-              <a:rPr i="1" spc="22" baseline="-22727" dirty="0">
-                <a:latin typeface="Century Gothic"/>
-                <a:cs typeface="Century Gothic"/>
-              </a:rPr>
-              <a:t>B</a:t>
-            </a:r>
-            <a:r>
-              <a:rPr dirty="0"/>
-              <a:t>)</a:t>
-            </a:r>
-            <a:r>
-              <a:rPr i="1" spc="-15" dirty="0">
-                <a:latin typeface="Century Gothic"/>
-                <a:cs typeface="Century Gothic"/>
-              </a:rPr>
-              <a:t>C</a:t>
-            </a:r>
-            <a:r>
-              <a:rPr i="1" spc="37" baseline="-22727" dirty="0">
-                <a:latin typeface="Century Gothic"/>
-                <a:cs typeface="Century Gothic"/>
-              </a:rPr>
-              <a:t>C</a:t>
-            </a:r>
-            <a:r>
-              <a:rPr dirty="0"/>
-              <a:t>)</a:t>
-            </a:r>
-            <a:endParaRPr dirty="0">
-              <a:latin typeface="Century Gothic"/>
-              <a:cs typeface="Century Gothic"/>
-            </a:endParaRPr>
-          </a:p>
-          <a:p>
-            <a:pPr marL="697865" lvl="1">
-              <a:spcBef>
-                <a:spcPts val="300"/>
-              </a:spcBef>
-            </a:pPr>
-            <a:r>
-              <a:rPr spc="-15" dirty="0"/>
-              <a:t>=</a:t>
-            </a:r>
-            <a:r>
-              <a:rPr spc="-5" dirty="0"/>
-              <a:t> </a:t>
-            </a:r>
-            <a:r>
-              <a:rPr i="1" spc="-15" dirty="0">
-                <a:latin typeface="Century Gothic"/>
-                <a:cs typeface="Century Gothic"/>
-              </a:rPr>
-              <a:t>C</a:t>
-            </a:r>
-            <a:r>
-              <a:rPr i="1" spc="22" baseline="-22727" dirty="0">
-                <a:latin typeface="Century Gothic"/>
-                <a:cs typeface="Century Gothic"/>
-              </a:rPr>
-              <a:t>A</a:t>
-            </a:r>
-            <a:r>
-              <a:rPr i="1" baseline="-22727" dirty="0">
-                <a:latin typeface="Century Gothic"/>
-                <a:cs typeface="Century Gothic"/>
-              </a:rPr>
-              <a:t> </a:t>
-            </a:r>
-            <a:r>
-              <a:rPr i="1" spc="-209" baseline="-22727" dirty="0">
-                <a:latin typeface="Century Gothic"/>
-                <a:cs typeface="Century Gothic"/>
-              </a:rPr>
-              <a:t> </a:t>
-            </a:r>
-            <a:r>
-              <a:rPr spc="-15" dirty="0"/>
-              <a:t>+</a:t>
-            </a:r>
-            <a:r>
-              <a:rPr dirty="0"/>
-              <a:t> (1</a:t>
-            </a:r>
-            <a:r>
-              <a:rPr spc="-5" dirty="0"/>
-              <a:t>-</a:t>
-            </a:r>
-            <a:r>
-              <a:rPr lang="en-US" sz="2800" spc="-35" dirty="0">
-                <a:solidFill>
-                  <a:srgbClr val="595959"/>
-                </a:solidFill>
-                <a:latin typeface="Symbol"/>
-                <a:cs typeface="Century Gothic"/>
-                <a:sym typeface="Symbol" panose="05050102010706020507" pitchFamily="18" charset="2"/>
-              </a:rPr>
-              <a:t>  </a:t>
-            </a:r>
-            <a:r>
-              <a:rPr i="1" spc="22" baseline="-22727" dirty="0">
-                <a:latin typeface="Century Gothic"/>
-                <a:cs typeface="Century Gothic"/>
-              </a:rPr>
-              <a:t>A</a:t>
-            </a:r>
-            <a:r>
-              <a:rPr dirty="0"/>
-              <a:t>)</a:t>
-            </a:r>
-            <a:r>
-              <a:rPr i="1" spc="-15" dirty="0">
-                <a:latin typeface="Century Gothic"/>
-                <a:cs typeface="Century Gothic"/>
-              </a:rPr>
-              <a:t>C</a:t>
-            </a:r>
-            <a:r>
-              <a:rPr i="1" spc="22" baseline="-22727" dirty="0">
-                <a:latin typeface="Century Gothic"/>
-                <a:cs typeface="Century Gothic"/>
-              </a:rPr>
-              <a:t>B</a:t>
-            </a:r>
-            <a:r>
-              <a:rPr i="1" baseline="-22727" dirty="0">
-                <a:latin typeface="Century Gothic"/>
-                <a:cs typeface="Century Gothic"/>
-              </a:rPr>
-              <a:t> </a:t>
-            </a:r>
-            <a:r>
-              <a:rPr i="1" spc="-209" baseline="-22727" dirty="0">
-                <a:latin typeface="Century Gothic"/>
-                <a:cs typeface="Century Gothic"/>
-              </a:rPr>
-              <a:t> </a:t>
-            </a:r>
-            <a:r>
-              <a:rPr spc="-15" dirty="0"/>
-              <a:t>+</a:t>
-            </a:r>
-            <a:r>
-              <a:rPr dirty="0"/>
-              <a:t> (1</a:t>
-            </a:r>
-            <a:r>
-              <a:rPr spc="-5" dirty="0"/>
-              <a:t>-</a:t>
-            </a:r>
-            <a:r>
-              <a:rPr lang="en-US" sz="2800" spc="-35" dirty="0">
-                <a:solidFill>
-                  <a:srgbClr val="595959"/>
-                </a:solidFill>
-                <a:latin typeface="Symbol"/>
-                <a:cs typeface="Century Gothic"/>
-                <a:sym typeface="Symbol" panose="05050102010706020507" pitchFamily="18" charset="2"/>
-              </a:rPr>
-              <a:t>  </a:t>
-            </a:r>
-            <a:r>
-              <a:rPr i="1" spc="22" baseline="-22727" dirty="0">
-                <a:latin typeface="Century Gothic"/>
-                <a:cs typeface="Century Gothic"/>
-              </a:rPr>
-              <a:t>A</a:t>
-            </a:r>
-            <a:r>
-              <a:rPr dirty="0"/>
-              <a:t>)(1-</a:t>
-            </a:r>
-            <a:r>
-              <a:rPr lang="en-US" sz="2800" spc="-35" dirty="0">
-                <a:solidFill>
-                  <a:srgbClr val="595959"/>
-                </a:solidFill>
-                <a:latin typeface="Symbol"/>
-                <a:cs typeface="Century Gothic"/>
-                <a:sym typeface="Symbol" panose="05050102010706020507" pitchFamily="18" charset="2"/>
-              </a:rPr>
-              <a:t>  </a:t>
-            </a:r>
-            <a:r>
-              <a:rPr i="1" spc="22" baseline="-22727" dirty="0">
-                <a:latin typeface="Century Gothic"/>
-                <a:cs typeface="Century Gothic"/>
-              </a:rPr>
-              <a:t>B</a:t>
-            </a:r>
-            <a:r>
-              <a:rPr dirty="0"/>
-              <a:t>)</a:t>
-            </a:r>
-            <a:r>
-              <a:rPr i="1" spc="-15" dirty="0">
-                <a:latin typeface="Century Gothic"/>
-                <a:cs typeface="Century Gothic"/>
-              </a:rPr>
-              <a:t>C</a:t>
-            </a:r>
-            <a:r>
-              <a:rPr i="1" spc="37" baseline="-22727" dirty="0">
-                <a:latin typeface="Century Gothic"/>
-                <a:cs typeface="Century Gothic"/>
-              </a:rPr>
-              <a:t>C</a:t>
-            </a:r>
-            <a:endParaRPr baseline="-22727" dirty="0">
-              <a:latin typeface="Century Gothic"/>
-              <a:cs typeface="Century Gothic"/>
-            </a:endParaRPr>
-          </a:p>
-          <a:p>
-            <a:pPr marL="697865" lvl="1">
-              <a:spcBef>
-                <a:spcPts val="400"/>
-              </a:spcBef>
-            </a:pPr>
-            <a:r>
-              <a:rPr spc="-15" dirty="0"/>
-              <a:t>=</a:t>
-            </a:r>
-            <a:r>
-              <a:rPr spc="-5" dirty="0"/>
-              <a:t> </a:t>
-            </a:r>
-            <a:r>
-              <a:rPr i="1" spc="-15" dirty="0">
-                <a:latin typeface="Century Gothic"/>
-                <a:cs typeface="Century Gothic"/>
-              </a:rPr>
-              <a:t>C</a:t>
-            </a:r>
-            <a:r>
-              <a:rPr i="1" spc="30" baseline="-22727" dirty="0">
-                <a:latin typeface="Century Gothic"/>
-                <a:cs typeface="Century Gothic"/>
-              </a:rPr>
-              <a:t>AB</a:t>
-            </a:r>
-            <a:r>
-              <a:rPr i="1" baseline="-22727" dirty="0">
-                <a:latin typeface="Century Gothic"/>
-                <a:cs typeface="Century Gothic"/>
-              </a:rPr>
-              <a:t> </a:t>
-            </a:r>
-            <a:r>
-              <a:rPr i="1" spc="-209" baseline="-22727" dirty="0">
-                <a:latin typeface="Century Gothic"/>
-                <a:cs typeface="Century Gothic"/>
-              </a:rPr>
-              <a:t> </a:t>
-            </a:r>
-            <a:r>
-              <a:rPr spc="-15" dirty="0"/>
-              <a:t>+</a:t>
-            </a:r>
-            <a:r>
-              <a:rPr dirty="0"/>
-              <a:t> (1</a:t>
-            </a:r>
-            <a:r>
-              <a:rPr spc="-5" dirty="0"/>
-              <a:t> </a:t>
-            </a:r>
-            <a:r>
-              <a:rPr dirty="0"/>
-              <a:t>–</a:t>
-            </a:r>
-            <a:r>
-              <a:rPr spc="-5" dirty="0"/>
-              <a:t> </a:t>
-            </a:r>
-            <a:r>
-              <a:rPr lang="en-US" sz="2800" spc="-35" dirty="0">
-                <a:solidFill>
-                  <a:srgbClr val="595959"/>
-                </a:solidFill>
-                <a:latin typeface="Symbol"/>
-                <a:cs typeface="Century Gothic"/>
-                <a:sym typeface="Symbol" panose="05050102010706020507" pitchFamily="18" charset="2"/>
-              </a:rPr>
-              <a:t></a:t>
-            </a:r>
-            <a:r>
-              <a:rPr i="1" spc="22" baseline="-22727" dirty="0">
-                <a:latin typeface="Century Gothic"/>
-                <a:cs typeface="Century Gothic"/>
-              </a:rPr>
-              <a:t>A</a:t>
-            </a:r>
-            <a:r>
-              <a:rPr i="1" baseline="-22727" dirty="0">
-                <a:latin typeface="Century Gothic"/>
-                <a:cs typeface="Century Gothic"/>
-              </a:rPr>
-              <a:t> </a:t>
-            </a:r>
-            <a:r>
-              <a:rPr i="1" spc="-209" baseline="-22727" dirty="0">
-                <a:latin typeface="Century Gothic"/>
-                <a:cs typeface="Century Gothic"/>
-              </a:rPr>
-              <a:t> </a:t>
-            </a:r>
-            <a:r>
-              <a:rPr dirty="0"/>
-              <a:t>–</a:t>
-            </a:r>
-            <a:r>
-              <a:rPr spc="-5" dirty="0"/>
-              <a:t> </a:t>
-            </a:r>
-            <a:r>
-              <a:rPr dirty="0"/>
-              <a:t>(1-</a:t>
-            </a:r>
-            <a:r>
-              <a:rPr lang="en-US" sz="2800" spc="-35" dirty="0">
-                <a:solidFill>
-                  <a:srgbClr val="595959"/>
-                </a:solidFill>
-                <a:latin typeface="Symbol"/>
-                <a:cs typeface="Century Gothic"/>
-                <a:sym typeface="Symbol" panose="05050102010706020507" pitchFamily="18" charset="2"/>
-              </a:rPr>
-              <a:t>  </a:t>
-            </a:r>
-            <a:r>
-              <a:rPr i="1" spc="22" baseline="-22727" dirty="0">
-                <a:latin typeface="Century Gothic"/>
-                <a:cs typeface="Century Gothic"/>
-              </a:rPr>
-              <a:t>A</a:t>
-            </a:r>
-            <a:r>
-              <a:rPr dirty="0"/>
-              <a:t>)</a:t>
-            </a:r>
-            <a:r>
-              <a:rPr lang="en-US" sz="2800" spc="-35" dirty="0">
-                <a:solidFill>
-                  <a:srgbClr val="595959"/>
-                </a:solidFill>
-                <a:latin typeface="Symbol"/>
-                <a:cs typeface="Century Gothic"/>
-                <a:sym typeface="Symbol" panose="05050102010706020507" pitchFamily="18" charset="2"/>
-              </a:rPr>
-              <a:t>  </a:t>
-            </a:r>
-            <a:r>
-              <a:rPr i="1" spc="22" baseline="-22727" dirty="0">
-                <a:latin typeface="Century Gothic"/>
-                <a:cs typeface="Century Gothic"/>
-              </a:rPr>
-              <a:t>B</a:t>
-            </a:r>
-            <a:r>
-              <a:rPr dirty="0"/>
-              <a:t>)</a:t>
-            </a:r>
-            <a:r>
-              <a:rPr i="1" spc="-15" dirty="0">
-                <a:latin typeface="Century Gothic"/>
-                <a:cs typeface="Century Gothic"/>
-              </a:rPr>
-              <a:t>C</a:t>
-            </a:r>
-            <a:r>
-              <a:rPr i="1" spc="37" baseline="-22727" dirty="0">
-                <a:latin typeface="Century Gothic"/>
-                <a:cs typeface="Century Gothic"/>
-              </a:rPr>
-              <a:t>C</a:t>
-            </a:r>
-            <a:endParaRPr baseline="-22727" dirty="0">
-              <a:latin typeface="Century Gothic"/>
-              <a:cs typeface="Century Gothic"/>
-            </a:endParaRPr>
-          </a:p>
-          <a:p>
-            <a:pPr marL="697865" lvl="1">
-              <a:spcBef>
-                <a:spcPts val="300"/>
-              </a:spcBef>
-            </a:pPr>
-            <a:r>
-              <a:rPr spc="-15" dirty="0"/>
-              <a:t>=</a:t>
-            </a:r>
-            <a:r>
-              <a:rPr spc="-5" dirty="0"/>
-              <a:t> </a:t>
-            </a:r>
-            <a:r>
-              <a:rPr i="1" spc="-15" dirty="0">
-                <a:latin typeface="Century Gothic"/>
-                <a:cs typeface="Century Gothic"/>
-              </a:rPr>
-              <a:t>C</a:t>
-            </a:r>
-            <a:r>
-              <a:rPr i="1" spc="30" baseline="-22727" dirty="0">
-                <a:latin typeface="Century Gothic"/>
-                <a:cs typeface="Century Gothic"/>
-              </a:rPr>
-              <a:t>AB</a:t>
-            </a:r>
-            <a:r>
-              <a:rPr i="1" baseline="-22727" dirty="0">
-                <a:latin typeface="Century Gothic"/>
-                <a:cs typeface="Century Gothic"/>
-              </a:rPr>
-              <a:t> </a:t>
-            </a:r>
-            <a:r>
-              <a:rPr i="1" spc="-209" baseline="-22727" dirty="0">
-                <a:latin typeface="Century Gothic"/>
-                <a:cs typeface="Century Gothic"/>
-              </a:rPr>
-              <a:t> </a:t>
-            </a:r>
-            <a:r>
-              <a:rPr spc="-15" dirty="0"/>
-              <a:t>+</a:t>
-            </a:r>
-            <a:r>
-              <a:rPr dirty="0"/>
-              <a:t> (1</a:t>
-            </a:r>
-            <a:r>
-              <a:rPr spc="-5" dirty="0"/>
-              <a:t>-</a:t>
-            </a:r>
-            <a:r>
-              <a:rPr lang="en-US" sz="2800" spc="-35" dirty="0">
-                <a:solidFill>
-                  <a:srgbClr val="595959"/>
-                </a:solidFill>
-                <a:latin typeface="Symbol"/>
-                <a:cs typeface="Century Gothic"/>
-                <a:sym typeface="Symbol" panose="05050102010706020507" pitchFamily="18" charset="2"/>
-              </a:rPr>
-              <a:t>  </a:t>
-            </a:r>
-            <a:r>
-              <a:rPr i="1" spc="30" baseline="-22727" dirty="0">
-                <a:latin typeface="Century Gothic"/>
-                <a:cs typeface="Century Gothic"/>
-              </a:rPr>
-              <a:t>AB</a:t>
-            </a:r>
-            <a:r>
-              <a:rPr dirty="0"/>
-              <a:t>)</a:t>
-            </a:r>
-            <a:r>
-              <a:rPr spc="-5" dirty="0"/>
-              <a:t> </a:t>
-            </a:r>
-            <a:r>
-              <a:rPr i="1" spc="-15" dirty="0">
-                <a:latin typeface="Century Gothic"/>
-                <a:cs typeface="Century Gothic"/>
-              </a:rPr>
-              <a:t>C</a:t>
-            </a:r>
-            <a:r>
-              <a:rPr i="1" spc="37" baseline="-22727" dirty="0">
-                <a:latin typeface="Century Gothic"/>
-                <a:cs typeface="Century Gothic"/>
-              </a:rPr>
-              <a:t>C</a:t>
-            </a:r>
-            <a:endParaRPr baseline="-22727" dirty="0">
-              <a:latin typeface="Century Gothic"/>
-              <a:cs typeface="Century Gothic"/>
-            </a:endParaRPr>
-          </a:p>
-          <a:p>
-            <a:pPr marL="697865" lvl="1">
-              <a:spcBef>
-                <a:spcPts val="350"/>
-              </a:spcBef>
-            </a:pPr>
-            <a:r>
-              <a:rPr spc="-15" dirty="0"/>
-              <a:t>= </a:t>
-            </a:r>
-            <a:r>
-              <a:rPr spc="-5" dirty="0"/>
-              <a:t>(</a:t>
-            </a:r>
-            <a:r>
-              <a:rPr i="1" spc="-15" dirty="0">
-                <a:latin typeface="Century Gothic"/>
-                <a:cs typeface="Century Gothic"/>
-              </a:rPr>
-              <a:t>A</a:t>
-            </a:r>
-            <a:r>
-              <a:rPr i="1" spc="-5" dirty="0">
-                <a:latin typeface="Century Gothic"/>
-                <a:cs typeface="Century Gothic"/>
-              </a:rPr>
-              <a:t> </a:t>
-            </a:r>
-            <a:r>
-              <a:rPr spc="-10" dirty="0"/>
-              <a:t>over</a:t>
-            </a:r>
-            <a:r>
-              <a:rPr spc="-5" dirty="0"/>
-              <a:t> </a:t>
-            </a:r>
-            <a:r>
-              <a:rPr i="1" dirty="0">
-                <a:latin typeface="Century Gothic"/>
-                <a:cs typeface="Century Gothic"/>
-              </a:rPr>
-              <a:t>B</a:t>
-            </a:r>
-            <a:r>
-              <a:rPr dirty="0"/>
-              <a:t>) </a:t>
-            </a:r>
-            <a:r>
-              <a:rPr spc="-10" dirty="0"/>
-              <a:t>over</a:t>
-            </a:r>
-            <a:r>
-              <a:rPr spc="-5" dirty="0"/>
-              <a:t> </a:t>
-            </a:r>
-            <a:r>
-              <a:rPr i="1" spc="-15" dirty="0">
-                <a:latin typeface="Century Gothic"/>
-                <a:cs typeface="Century Gothic"/>
-              </a:rPr>
-              <a:t>C</a:t>
-            </a:r>
-            <a:endParaRPr lang="en-US" dirty="0">
-              <a:latin typeface="Century Gothic"/>
-              <a:cs typeface="Century Gothic"/>
-            </a:endParaRPr>
-          </a:p>
-          <a:p>
-            <a:pPr marL="354965">
-              <a:lnSpc>
-                <a:spcPct val="100000"/>
-              </a:lnSpc>
-              <a:spcBef>
-                <a:spcPts val="350"/>
-              </a:spcBef>
-            </a:pPr>
-            <a:r>
-              <a:rPr sz="4000" spc="-15" dirty="0"/>
-              <a:t>Wh</a:t>
-            </a:r>
-            <a:r>
-              <a:rPr sz="4000" dirty="0"/>
-              <a:t>a</a:t>
-            </a:r>
-            <a:r>
-              <a:rPr sz="4000" spc="-10" dirty="0"/>
-              <a:t>t</a:t>
-            </a:r>
-            <a:r>
-              <a:rPr sz="4000" spc="-5" dirty="0"/>
-              <a:t> </a:t>
-            </a:r>
-            <a:r>
-              <a:rPr sz="4000" dirty="0"/>
-              <a:t>ab</a:t>
-            </a:r>
-            <a:r>
-              <a:rPr sz="4000" spc="-15" dirty="0"/>
-              <a:t>out</a:t>
-            </a:r>
-            <a:r>
-              <a:rPr sz="4000" spc="-5" dirty="0"/>
-              <a:t> </a:t>
-            </a:r>
-            <a:r>
-              <a:rPr lang="en-US" sz="3200" spc="-35" dirty="0">
-                <a:solidFill>
-                  <a:srgbClr val="595959"/>
-                </a:solidFill>
-                <a:latin typeface="Symbol"/>
-                <a:cs typeface="Century Gothic"/>
-                <a:sym typeface="Symbol" panose="05050102010706020507" pitchFamily="18" charset="2"/>
-              </a:rPr>
-              <a:t> </a:t>
-            </a:r>
-            <a:r>
-              <a:rPr lang="en-US" sz="4400" spc="-35" dirty="0">
-                <a:solidFill>
-                  <a:srgbClr val="595959"/>
-                </a:solidFill>
-                <a:cs typeface="Century Gothic"/>
-                <a:sym typeface="Symbol" panose="05050102010706020507" pitchFamily="18" charset="2"/>
-              </a:rPr>
-              <a:t>?</a:t>
-            </a:r>
-            <a:endParaRPr dirty="0">
-              <a:cs typeface="Symbol"/>
-            </a:endParaRPr>
-          </a:p>
-          <a:p>
-            <a:pPr marL="697865" lvl="1">
-              <a:spcBef>
-                <a:spcPts val="280"/>
-              </a:spcBef>
-            </a:pPr>
-            <a:r>
-              <a:rPr spc="-15" dirty="0"/>
-              <a:t>=</a:t>
-            </a:r>
-            <a:r>
-              <a:rPr spc="-5" dirty="0"/>
-              <a:t> </a:t>
-            </a:r>
-            <a:r>
-              <a:rPr lang="en-US" sz="2800" spc="-35" dirty="0">
-                <a:solidFill>
-                  <a:srgbClr val="595959"/>
-                </a:solidFill>
-                <a:latin typeface="Symbol"/>
-                <a:cs typeface="Century Gothic"/>
-                <a:sym typeface="Symbol" panose="05050102010706020507" pitchFamily="18" charset="2"/>
-              </a:rPr>
-              <a:t> </a:t>
-            </a:r>
-            <a:r>
-              <a:rPr i="1" spc="22" baseline="-22727" dirty="0">
-                <a:latin typeface="Century Gothic"/>
-                <a:cs typeface="Century Gothic"/>
-              </a:rPr>
-              <a:t>A</a:t>
-            </a:r>
-            <a:r>
-              <a:rPr i="1" baseline="-22727" dirty="0">
-                <a:latin typeface="Century Gothic"/>
-                <a:cs typeface="Century Gothic"/>
-              </a:rPr>
-              <a:t> </a:t>
-            </a:r>
-            <a:r>
-              <a:rPr i="1" spc="-209" baseline="-22727" dirty="0">
-                <a:latin typeface="Century Gothic"/>
-                <a:cs typeface="Century Gothic"/>
-              </a:rPr>
-              <a:t> </a:t>
-            </a:r>
-            <a:r>
-              <a:rPr spc="-15" dirty="0"/>
-              <a:t>+</a:t>
-            </a:r>
-            <a:r>
-              <a:rPr dirty="0"/>
-              <a:t> (1</a:t>
-            </a:r>
-            <a:r>
-              <a:rPr spc="-5" dirty="0"/>
-              <a:t>-</a:t>
-            </a:r>
-            <a:r>
-              <a:rPr lang="en-US" sz="2800" spc="-35" dirty="0">
-                <a:solidFill>
-                  <a:srgbClr val="595959"/>
-                </a:solidFill>
-                <a:latin typeface="Symbol"/>
-                <a:cs typeface="Century Gothic"/>
-                <a:sym typeface="Symbol" panose="05050102010706020507" pitchFamily="18" charset="2"/>
-              </a:rPr>
-              <a:t>  </a:t>
-            </a:r>
-            <a:r>
-              <a:rPr i="1" spc="22" baseline="-22727" dirty="0">
-                <a:latin typeface="Century Gothic"/>
-                <a:cs typeface="Century Gothic"/>
-              </a:rPr>
-              <a:t>A</a:t>
-            </a:r>
-            <a:r>
-              <a:rPr dirty="0"/>
-              <a:t>)</a:t>
-            </a:r>
-            <a:r>
-              <a:rPr spc="-5" dirty="0"/>
-              <a:t> </a:t>
-            </a:r>
-            <a:r>
-              <a:rPr lang="en-US" sz="2800" spc="-35" dirty="0">
-                <a:solidFill>
-                  <a:srgbClr val="595959"/>
-                </a:solidFill>
-                <a:latin typeface="Symbol"/>
-                <a:cs typeface="Century Gothic"/>
-                <a:sym typeface="Symbol" panose="05050102010706020507" pitchFamily="18" charset="2"/>
-              </a:rPr>
-              <a:t> </a:t>
-            </a:r>
-            <a:r>
-              <a:rPr i="1" spc="30" baseline="-22727" dirty="0">
-                <a:latin typeface="Century Gothic"/>
-                <a:cs typeface="Century Gothic"/>
-              </a:rPr>
-              <a:t>BC</a:t>
-            </a:r>
-            <a:endParaRPr baseline="-22727" dirty="0">
-              <a:latin typeface="Century Gothic"/>
-              <a:cs typeface="Century Gothic"/>
-            </a:endParaRPr>
-          </a:p>
-          <a:p>
-            <a:pPr marL="697865" lvl="1">
-              <a:spcBef>
-                <a:spcPts val="400"/>
-              </a:spcBef>
-            </a:pPr>
-            <a:r>
-              <a:rPr spc="-15" dirty="0"/>
-              <a:t>=</a:t>
-            </a:r>
-            <a:r>
-              <a:rPr spc="-5" dirty="0"/>
-              <a:t> </a:t>
-            </a:r>
-            <a:r>
-              <a:rPr lang="en-US" sz="2800" spc="-35" dirty="0">
-                <a:solidFill>
-                  <a:srgbClr val="595959"/>
-                </a:solidFill>
-                <a:latin typeface="Symbol"/>
-                <a:cs typeface="Century Gothic"/>
-                <a:sym typeface="Symbol" panose="05050102010706020507" pitchFamily="18" charset="2"/>
-              </a:rPr>
-              <a:t> </a:t>
-            </a:r>
-            <a:r>
-              <a:rPr i="1" spc="22" baseline="-22727" dirty="0">
-                <a:latin typeface="Century Gothic"/>
-                <a:cs typeface="Century Gothic"/>
-              </a:rPr>
-              <a:t>A</a:t>
-            </a:r>
-            <a:r>
-              <a:rPr i="1" baseline="-22727" dirty="0">
-                <a:latin typeface="Century Gothic"/>
-                <a:cs typeface="Century Gothic"/>
-              </a:rPr>
-              <a:t> </a:t>
-            </a:r>
-            <a:r>
-              <a:rPr i="1" spc="-209" baseline="-22727" dirty="0">
-                <a:latin typeface="Century Gothic"/>
-                <a:cs typeface="Century Gothic"/>
-              </a:rPr>
-              <a:t> </a:t>
-            </a:r>
-            <a:r>
-              <a:rPr spc="-15" dirty="0"/>
-              <a:t>+</a:t>
-            </a:r>
-            <a:r>
-              <a:rPr dirty="0"/>
-              <a:t> (</a:t>
-            </a:r>
-            <a:r>
-              <a:rPr lang="el-GR" dirty="0"/>
-              <a:t>1</a:t>
-            </a:r>
-            <a:r>
-              <a:rPr lang="el-GR" spc="-5" dirty="0"/>
-              <a:t>-</a:t>
-            </a:r>
-            <a:r>
-              <a:rPr lang="en-US" sz="2800" spc="-35" dirty="0">
-                <a:solidFill>
-                  <a:srgbClr val="595959"/>
-                </a:solidFill>
-                <a:latin typeface="Symbol"/>
-                <a:cs typeface="Century Gothic"/>
-                <a:sym typeface="Symbol" panose="05050102010706020507" pitchFamily="18" charset="2"/>
-              </a:rPr>
-              <a:t>  </a:t>
-            </a:r>
-            <a:r>
-              <a:rPr lang="en-US" i="1" spc="22" baseline="-22727" dirty="0">
-                <a:latin typeface="Century Gothic"/>
-                <a:cs typeface="Century Gothic"/>
-              </a:rPr>
-              <a:t>A</a:t>
-            </a:r>
-            <a:r>
-              <a:rPr dirty="0"/>
-              <a:t>)(</a:t>
-            </a:r>
-            <a:r>
-              <a:rPr lang="en-US" sz="2800" spc="-35" dirty="0">
-                <a:solidFill>
-                  <a:srgbClr val="595959"/>
-                </a:solidFill>
-                <a:latin typeface="Symbol"/>
-                <a:cs typeface="Century Gothic"/>
-                <a:sym typeface="Symbol" panose="05050102010706020507" pitchFamily="18" charset="2"/>
-              </a:rPr>
-              <a:t> </a:t>
-            </a:r>
-            <a:r>
-              <a:rPr i="1" spc="22" baseline="-22727" dirty="0">
-                <a:latin typeface="Century Gothic"/>
-                <a:cs typeface="Century Gothic"/>
-              </a:rPr>
-              <a:t>B</a:t>
-            </a:r>
-            <a:r>
-              <a:rPr i="1" baseline="-22727" dirty="0">
-                <a:latin typeface="Century Gothic"/>
-                <a:cs typeface="Century Gothic"/>
-              </a:rPr>
-              <a:t> </a:t>
-            </a:r>
-            <a:r>
-              <a:rPr i="1" spc="-209" baseline="-22727" dirty="0">
-                <a:latin typeface="Century Gothic"/>
-                <a:cs typeface="Century Gothic"/>
-              </a:rPr>
-              <a:t> </a:t>
-            </a:r>
-            <a:r>
-              <a:rPr spc="-15" dirty="0"/>
-              <a:t>+</a:t>
-            </a:r>
-            <a:r>
-              <a:rPr dirty="0"/>
-              <a:t> (1</a:t>
-            </a:r>
-            <a:r>
-              <a:rPr spc="-5" dirty="0"/>
-              <a:t>-</a:t>
-            </a:r>
-            <a:r>
-              <a:rPr lang="en-US" sz="2800" spc="-35" dirty="0">
-                <a:solidFill>
-                  <a:srgbClr val="595959"/>
-                </a:solidFill>
-                <a:latin typeface="Symbol"/>
-                <a:cs typeface="Century Gothic"/>
-                <a:sym typeface="Symbol" panose="05050102010706020507" pitchFamily="18" charset="2"/>
-              </a:rPr>
-              <a:t>  </a:t>
-            </a:r>
-            <a:r>
-              <a:rPr i="1" spc="22" baseline="-22727" dirty="0">
-                <a:latin typeface="Century Gothic"/>
-                <a:cs typeface="Century Gothic"/>
-              </a:rPr>
-              <a:t>B</a:t>
-            </a:r>
-            <a:r>
-              <a:rPr dirty="0"/>
-              <a:t>)</a:t>
-            </a:r>
-            <a:r>
-              <a:rPr spc="-5" dirty="0"/>
-              <a:t> </a:t>
-            </a:r>
-            <a:r>
-              <a:rPr lang="en-US" sz="2800" spc="-35" dirty="0">
-                <a:solidFill>
-                  <a:srgbClr val="595959"/>
-                </a:solidFill>
-                <a:latin typeface="Symbol"/>
-                <a:cs typeface="Century Gothic"/>
-                <a:sym typeface="Symbol" panose="05050102010706020507" pitchFamily="18" charset="2"/>
-              </a:rPr>
-              <a:t> </a:t>
-            </a:r>
-            <a:r>
-              <a:rPr i="1" spc="37" baseline="-22727" dirty="0">
-                <a:latin typeface="Century Gothic"/>
-                <a:cs typeface="Century Gothic"/>
-              </a:rPr>
-              <a:t>C</a:t>
-            </a:r>
-            <a:r>
-              <a:rPr dirty="0"/>
-              <a:t>)</a:t>
-            </a:r>
-            <a:endParaRPr dirty="0">
-              <a:latin typeface="Century Gothic"/>
-              <a:cs typeface="Century Gothic"/>
-            </a:endParaRPr>
-          </a:p>
-          <a:p>
-            <a:pPr marL="697865" lvl="1">
-              <a:spcBef>
-                <a:spcPts val="300"/>
-              </a:spcBef>
-            </a:pPr>
-            <a:r>
-              <a:rPr spc="-15" dirty="0"/>
-              <a:t>=</a:t>
-            </a:r>
-            <a:r>
-              <a:rPr spc="-5" dirty="0"/>
-              <a:t> </a:t>
-            </a:r>
-            <a:r>
-              <a:rPr lang="en-US" sz="2800" spc="-35" dirty="0">
-                <a:solidFill>
-                  <a:srgbClr val="595959"/>
-                </a:solidFill>
-                <a:latin typeface="Symbol"/>
-                <a:cs typeface="Century Gothic"/>
-                <a:sym typeface="Symbol" panose="05050102010706020507" pitchFamily="18" charset="2"/>
-              </a:rPr>
-              <a:t> </a:t>
-            </a:r>
-            <a:r>
-              <a:rPr i="1" spc="22" baseline="-22727" dirty="0">
-                <a:latin typeface="Century Gothic"/>
-                <a:cs typeface="Century Gothic"/>
-              </a:rPr>
-              <a:t>A</a:t>
-            </a:r>
-            <a:r>
-              <a:rPr i="1" baseline="-22727" dirty="0">
-                <a:latin typeface="Century Gothic"/>
-                <a:cs typeface="Century Gothic"/>
-              </a:rPr>
-              <a:t> </a:t>
-            </a:r>
-            <a:r>
-              <a:rPr i="1" spc="-209" baseline="-22727" dirty="0">
-                <a:latin typeface="Century Gothic"/>
-                <a:cs typeface="Century Gothic"/>
-              </a:rPr>
-              <a:t> </a:t>
-            </a:r>
-            <a:r>
-              <a:rPr spc="-15" dirty="0"/>
-              <a:t>+</a:t>
-            </a:r>
-            <a:r>
-              <a:rPr dirty="0"/>
-              <a:t> (1</a:t>
-            </a:r>
-            <a:r>
-              <a:rPr spc="-5" dirty="0"/>
-              <a:t>-</a:t>
-            </a:r>
-            <a:r>
-              <a:rPr lang="en-US" sz="2800" spc="-35" dirty="0">
-                <a:solidFill>
-                  <a:srgbClr val="595959"/>
-                </a:solidFill>
-                <a:latin typeface="Symbol"/>
-                <a:cs typeface="Century Gothic"/>
-                <a:sym typeface="Symbol" panose="05050102010706020507" pitchFamily="18" charset="2"/>
-              </a:rPr>
-              <a:t>  </a:t>
-            </a:r>
-            <a:r>
-              <a:rPr i="1" spc="22" baseline="-22727" dirty="0">
-                <a:latin typeface="Century Gothic"/>
-                <a:cs typeface="Century Gothic"/>
-              </a:rPr>
-              <a:t>A</a:t>
-            </a:r>
-            <a:r>
-              <a:rPr dirty="0"/>
-              <a:t>)</a:t>
-            </a:r>
-            <a:r>
-              <a:rPr lang="en-US" sz="2800" spc="-35" dirty="0">
-                <a:solidFill>
-                  <a:srgbClr val="595959"/>
-                </a:solidFill>
-                <a:latin typeface="Symbol"/>
-                <a:cs typeface="Century Gothic"/>
-                <a:sym typeface="Symbol" panose="05050102010706020507" pitchFamily="18" charset="2"/>
-              </a:rPr>
-              <a:t>  </a:t>
-            </a:r>
-            <a:r>
-              <a:rPr i="1" spc="22" baseline="-22727" dirty="0">
-                <a:latin typeface="Century Gothic"/>
-                <a:cs typeface="Century Gothic"/>
-              </a:rPr>
-              <a:t>B</a:t>
-            </a:r>
-            <a:r>
-              <a:rPr i="1" baseline="-22727" dirty="0">
-                <a:latin typeface="Century Gothic"/>
-                <a:cs typeface="Century Gothic"/>
-              </a:rPr>
-              <a:t> </a:t>
-            </a:r>
-            <a:r>
-              <a:rPr i="1" spc="-209" baseline="-22727" dirty="0">
-                <a:latin typeface="Century Gothic"/>
-                <a:cs typeface="Century Gothic"/>
-              </a:rPr>
-              <a:t> </a:t>
-            </a:r>
-            <a:r>
-              <a:rPr spc="-15" dirty="0"/>
-              <a:t>+</a:t>
-            </a:r>
-            <a:r>
-              <a:rPr dirty="0"/>
-              <a:t> (1</a:t>
-            </a:r>
-            <a:r>
-              <a:rPr spc="-5" dirty="0"/>
-              <a:t>-</a:t>
-            </a:r>
-            <a:r>
-              <a:rPr lang="en-US" sz="2800" spc="-35" dirty="0">
-                <a:solidFill>
-                  <a:srgbClr val="595959"/>
-                </a:solidFill>
-                <a:latin typeface="Symbol"/>
-                <a:cs typeface="Century Gothic"/>
-                <a:sym typeface="Symbol" panose="05050102010706020507" pitchFamily="18" charset="2"/>
-              </a:rPr>
-              <a:t>  </a:t>
-            </a:r>
-            <a:r>
-              <a:rPr i="1" spc="22" baseline="-22727" dirty="0">
-                <a:latin typeface="Century Gothic"/>
-                <a:cs typeface="Century Gothic"/>
-              </a:rPr>
-              <a:t>A</a:t>
-            </a:r>
-            <a:r>
-              <a:rPr dirty="0"/>
-              <a:t>)(1-</a:t>
-            </a:r>
-            <a:r>
-              <a:rPr lang="en-US" sz="2800" spc="-35" dirty="0">
-                <a:solidFill>
-                  <a:srgbClr val="595959"/>
-                </a:solidFill>
-                <a:latin typeface="Symbol"/>
-                <a:cs typeface="Century Gothic"/>
-                <a:sym typeface="Symbol" panose="05050102010706020507" pitchFamily="18" charset="2"/>
-              </a:rPr>
-              <a:t>  </a:t>
-            </a:r>
-            <a:r>
-              <a:rPr i="1" spc="22" baseline="-22727" dirty="0">
-                <a:latin typeface="Century Gothic"/>
-                <a:cs typeface="Century Gothic"/>
-              </a:rPr>
-              <a:t>B</a:t>
-            </a:r>
-            <a:r>
-              <a:rPr dirty="0"/>
-              <a:t>)</a:t>
-            </a:r>
-            <a:r>
-              <a:rPr lang="en-US" sz="2800" spc="-35" dirty="0">
-                <a:solidFill>
-                  <a:srgbClr val="595959"/>
-                </a:solidFill>
-                <a:latin typeface="Symbol"/>
-                <a:cs typeface="Century Gothic"/>
-                <a:sym typeface="Symbol" panose="05050102010706020507" pitchFamily="18" charset="2"/>
-              </a:rPr>
-              <a:t>  </a:t>
-            </a:r>
-            <a:r>
-              <a:rPr i="1" spc="37" baseline="-22727" dirty="0">
-                <a:latin typeface="Century Gothic"/>
-                <a:cs typeface="Century Gothic"/>
-              </a:rPr>
-              <a:t>C</a:t>
-            </a:r>
-            <a:endParaRPr baseline="-22727" dirty="0">
-              <a:latin typeface="Century Gothic"/>
-              <a:cs typeface="Century Gothic"/>
-            </a:endParaRPr>
-          </a:p>
-          <a:p>
-            <a:pPr marL="697865" lvl="1">
-              <a:spcBef>
-                <a:spcPts val="300"/>
-              </a:spcBef>
-            </a:pPr>
-            <a:r>
-              <a:rPr spc="-15" dirty="0"/>
-              <a:t>=</a:t>
-            </a:r>
-            <a:r>
-              <a:rPr spc="-5" dirty="0"/>
-              <a:t> </a:t>
-            </a:r>
-            <a:r>
-              <a:rPr lang="en-US" sz="2800" spc="-35" dirty="0">
-                <a:solidFill>
-                  <a:srgbClr val="595959"/>
-                </a:solidFill>
-                <a:latin typeface="Symbol"/>
-                <a:cs typeface="Century Gothic"/>
-                <a:sym typeface="Symbol" panose="05050102010706020507" pitchFamily="18" charset="2"/>
-              </a:rPr>
-              <a:t> </a:t>
-            </a:r>
-            <a:r>
-              <a:rPr i="1" spc="30" baseline="-22727" dirty="0">
-                <a:latin typeface="Century Gothic"/>
-                <a:cs typeface="Century Gothic"/>
-              </a:rPr>
-              <a:t>AB</a:t>
-            </a:r>
-            <a:r>
-              <a:rPr i="1" baseline="-22727" dirty="0">
-                <a:latin typeface="Century Gothic"/>
-                <a:cs typeface="Century Gothic"/>
-              </a:rPr>
-              <a:t> </a:t>
-            </a:r>
-            <a:r>
-              <a:rPr i="1" spc="-209" baseline="-22727" dirty="0">
-                <a:latin typeface="Century Gothic"/>
-                <a:cs typeface="Century Gothic"/>
-              </a:rPr>
-              <a:t> </a:t>
-            </a:r>
-            <a:r>
-              <a:rPr spc="-15" dirty="0"/>
-              <a:t>+</a:t>
-            </a:r>
-            <a:r>
-              <a:rPr dirty="0"/>
-              <a:t> (1</a:t>
-            </a:r>
-            <a:r>
-              <a:rPr spc="-5" dirty="0"/>
-              <a:t>-</a:t>
-            </a:r>
-            <a:r>
-              <a:rPr lang="en-US" sz="2800" spc="-35" dirty="0">
-                <a:solidFill>
-                  <a:srgbClr val="595959"/>
-                </a:solidFill>
-                <a:latin typeface="Symbol"/>
-                <a:cs typeface="Century Gothic"/>
-                <a:sym typeface="Symbol" panose="05050102010706020507" pitchFamily="18" charset="2"/>
-              </a:rPr>
-              <a:t>  </a:t>
-            </a:r>
-            <a:r>
-              <a:rPr i="1" spc="30" baseline="-22727" dirty="0">
-                <a:latin typeface="Century Gothic"/>
-                <a:cs typeface="Century Gothic"/>
-              </a:rPr>
-              <a:t>AB</a:t>
-            </a:r>
-            <a:r>
-              <a:rPr dirty="0"/>
-              <a:t>)</a:t>
-            </a:r>
-            <a:r>
-              <a:rPr lang="en-US" sz="2800" spc="-35" dirty="0">
-                <a:solidFill>
-                  <a:srgbClr val="595959"/>
-                </a:solidFill>
-                <a:latin typeface="Symbol"/>
-                <a:cs typeface="Century Gothic"/>
-                <a:sym typeface="Symbol" panose="05050102010706020507" pitchFamily="18" charset="2"/>
-              </a:rPr>
-              <a:t>  </a:t>
-            </a:r>
-            <a:r>
-              <a:rPr i="1" spc="37" baseline="-22727" dirty="0">
-                <a:latin typeface="Century Gothic"/>
-                <a:cs typeface="Century Gothic"/>
-              </a:rPr>
-              <a:t>C</a:t>
-            </a:r>
-            <a:endParaRPr baseline="-22727" dirty="0">
-              <a:latin typeface="Century Gothic"/>
-              <a:cs typeface="Century Gothic"/>
-            </a:endParaRPr>
-          </a:p>
-        </p:txBody>
-      </p:sp>
-      <p:sp>
-        <p:nvSpPr>
-          <p:cNvPr id="17" name="object 17"/>
-          <p:cNvSpPr/>
-          <p:nvPr/>
-        </p:nvSpPr>
-        <p:spPr>
-          <a:xfrm>
-            <a:off x="8686798" y="3048000"/>
-            <a:ext cx="381000" cy="1371600"/>
-          </a:xfrm>
-          <a:custGeom>
-            <a:avLst/>
-            <a:gdLst/>
-            <a:ahLst/>
-            <a:cxnLst/>
-            <a:rect l="l" t="t" r="r" b="b"/>
-            <a:pathLst>
-              <a:path w="381000" h="1371600">
-                <a:moveTo>
-                  <a:pt x="0" y="0"/>
-                </a:moveTo>
-                <a:lnTo>
-                  <a:pt x="381000" y="0"/>
-                </a:lnTo>
-                <a:lnTo>
-                  <a:pt x="381000" y="1371600"/>
-                </a:lnTo>
-                <a:lnTo>
-                  <a:pt x="0" y="1371600"/>
-                </a:lnTo>
-                <a:lnTo>
-                  <a:pt x="0" y="0"/>
-                </a:lnTo>
-                <a:close/>
-              </a:path>
-            </a:pathLst>
-          </a:custGeom>
-          <a:solidFill>
-            <a:srgbClr val="9EB151"/>
-          </a:solidFill>
-        </p:spPr>
-        <p:txBody>
-          <a:bodyPr wrap="square" lIns="0" tIns="0" rIns="0" bIns="0" rtlCol="0"/>
-          <a:lstStyle/>
-          <a:p>
-            <a:endParaRPr/>
-          </a:p>
-        </p:txBody>
-      </p:sp>
-      <p:sp>
-        <p:nvSpPr>
-          <p:cNvPr id="18" name="object 18"/>
-          <p:cNvSpPr/>
-          <p:nvPr/>
-        </p:nvSpPr>
-        <p:spPr>
-          <a:xfrm>
-            <a:off x="8686798" y="3048000"/>
-            <a:ext cx="381000" cy="1371600"/>
-          </a:xfrm>
-          <a:prstGeom prst="rect">
-            <a:avLst/>
-          </a:prstGeom>
-          <a:blipFill>
-            <a:blip r:embed="rId5" cstate="print"/>
-            <a:stretch>
-              <a:fillRect/>
-            </a:stretch>
-          </a:blipFill>
-        </p:spPr>
-        <p:txBody>
-          <a:bodyPr wrap="square" lIns="0" tIns="0" rIns="0" bIns="0" rtlCol="0"/>
-          <a:lstStyle/>
-          <a:p>
-            <a:endParaRPr/>
-          </a:p>
-        </p:txBody>
-      </p:sp>
-      <p:sp>
-        <p:nvSpPr>
-          <p:cNvPr id="19" name="object 19"/>
-          <p:cNvSpPr/>
-          <p:nvPr/>
-        </p:nvSpPr>
-        <p:spPr>
-          <a:xfrm>
-            <a:off x="7696198" y="3962400"/>
-            <a:ext cx="990600" cy="457200"/>
-          </a:xfrm>
-          <a:custGeom>
-            <a:avLst/>
-            <a:gdLst/>
-            <a:ahLst/>
-            <a:cxnLst/>
-            <a:rect l="l" t="t" r="r" b="b"/>
-            <a:pathLst>
-              <a:path w="990600" h="457200">
-                <a:moveTo>
-                  <a:pt x="0" y="0"/>
-                </a:moveTo>
-                <a:lnTo>
-                  <a:pt x="990600" y="0"/>
-                </a:lnTo>
-                <a:lnTo>
-                  <a:pt x="990600" y="457200"/>
-                </a:lnTo>
-                <a:lnTo>
-                  <a:pt x="0" y="457200"/>
-                </a:lnTo>
-                <a:lnTo>
-                  <a:pt x="0" y="0"/>
-                </a:lnTo>
-                <a:close/>
-              </a:path>
-            </a:pathLst>
-          </a:custGeom>
-          <a:solidFill>
-            <a:srgbClr val="9EB151"/>
-          </a:solidFill>
-        </p:spPr>
-        <p:txBody>
-          <a:bodyPr wrap="square" lIns="0" tIns="0" rIns="0" bIns="0" rtlCol="0"/>
-          <a:lstStyle/>
-          <a:p>
-            <a:endParaRPr/>
-          </a:p>
-        </p:txBody>
-      </p:sp>
-      <p:sp>
-        <p:nvSpPr>
-          <p:cNvPr id="20" name="object 20"/>
-          <p:cNvSpPr/>
-          <p:nvPr/>
-        </p:nvSpPr>
-        <p:spPr>
-          <a:xfrm>
-            <a:off x="7696198" y="3962400"/>
-            <a:ext cx="990600" cy="457200"/>
-          </a:xfrm>
-          <a:prstGeom prst="rect">
-            <a:avLst/>
-          </a:prstGeom>
-          <a:blipFill>
-            <a:blip r:embed="rId6" cstate="print"/>
-            <a:stretch>
-              <a:fillRect/>
-            </a:stretch>
-          </a:blipFill>
-        </p:spPr>
-        <p:txBody>
-          <a:bodyPr wrap="square" lIns="0" tIns="0" rIns="0" bIns="0" rtlCol="0"/>
-          <a:lstStyle/>
-          <a:p>
-            <a:endParaRPr/>
-          </a:p>
-        </p:txBody>
-      </p:sp>
-      <p:sp>
-        <p:nvSpPr>
-          <p:cNvPr id="21" name="object 21"/>
-          <p:cNvSpPr/>
-          <p:nvPr/>
-        </p:nvSpPr>
-        <p:spPr>
-          <a:xfrm>
-            <a:off x="7696198" y="3048000"/>
-            <a:ext cx="990600" cy="914400"/>
-          </a:xfrm>
-          <a:custGeom>
-            <a:avLst/>
-            <a:gdLst/>
-            <a:ahLst/>
-            <a:cxnLst/>
-            <a:rect l="l" t="t" r="r" b="b"/>
-            <a:pathLst>
-              <a:path w="990600" h="914400">
-                <a:moveTo>
-                  <a:pt x="0" y="0"/>
-                </a:moveTo>
-                <a:lnTo>
-                  <a:pt x="990600" y="0"/>
-                </a:lnTo>
-                <a:lnTo>
-                  <a:pt x="990600" y="914400"/>
-                </a:lnTo>
-                <a:lnTo>
-                  <a:pt x="0" y="914400"/>
-                </a:lnTo>
-                <a:lnTo>
-                  <a:pt x="0" y="0"/>
-                </a:lnTo>
-                <a:close/>
-              </a:path>
-            </a:pathLst>
-          </a:custGeom>
-          <a:solidFill>
-            <a:srgbClr val="5E6150"/>
-          </a:solidFill>
-        </p:spPr>
-        <p:txBody>
-          <a:bodyPr wrap="square" lIns="0" tIns="0" rIns="0" bIns="0" rtlCol="0"/>
-          <a:lstStyle/>
-          <a:p>
-            <a:endParaRPr/>
-          </a:p>
-        </p:txBody>
-      </p:sp>
-      <p:sp>
-        <p:nvSpPr>
-          <p:cNvPr id="22" name="object 22"/>
-          <p:cNvSpPr/>
-          <p:nvPr/>
-        </p:nvSpPr>
-        <p:spPr>
-          <a:xfrm>
-            <a:off x="7696198" y="3048000"/>
-            <a:ext cx="1828800" cy="1828800"/>
-          </a:xfrm>
-          <a:custGeom>
-            <a:avLst/>
-            <a:gdLst/>
-            <a:ahLst/>
-            <a:cxnLst/>
-            <a:rect l="l" t="t" r="r" b="b"/>
-            <a:pathLst>
-              <a:path w="1828800" h="1828800">
-                <a:moveTo>
-                  <a:pt x="0" y="0"/>
-                </a:moveTo>
-                <a:lnTo>
-                  <a:pt x="1828799" y="0"/>
-                </a:lnTo>
-                <a:lnTo>
-                  <a:pt x="1828799" y="1828799"/>
-                </a:lnTo>
-                <a:lnTo>
-                  <a:pt x="0" y="1828799"/>
-                </a:lnTo>
-                <a:lnTo>
-                  <a:pt x="0" y="0"/>
-                </a:lnTo>
-                <a:close/>
-              </a:path>
-            </a:pathLst>
-          </a:custGeom>
-          <a:ln w="9524">
-            <a:solidFill>
-              <a:srgbClr val="000000"/>
-            </a:solidFill>
-          </a:ln>
-        </p:spPr>
-        <p:txBody>
-          <a:bodyPr wrap="square" lIns="0" tIns="0" rIns="0" bIns="0" rtlCol="0"/>
-          <a:lstStyle/>
-          <a:p>
-            <a:endParaRPr/>
+              <a:rPr sz="1600" dirty="0">
+                <a:latin typeface="Century Gothic"/>
+                <a:cs typeface="Century Gothic"/>
+              </a:rPr>
+              <a:t>2</a:t>
+            </a:r>
+            <a:r>
+              <a:rPr sz="1600" spc="-5" dirty="0">
+                <a:latin typeface="Century Gothic"/>
+                <a:cs typeface="Century Gothic"/>
+              </a:rPr>
+              <a:t>,</a:t>
+            </a:r>
+            <a:r>
+              <a:rPr sz="1600" dirty="0">
+                <a:latin typeface="Century Gothic"/>
+                <a:cs typeface="Century Gothic"/>
+              </a:rPr>
+              <a:t> 1996</a:t>
+            </a:r>
           </a:p>
         </p:txBody>
       </p:sp>
     </p:spTree>
     <p:extLst>
       <p:ext uri="{BB962C8B-B14F-4D97-AF65-F5344CB8AC3E}">
-        <p14:creationId xmlns:p14="http://schemas.microsoft.com/office/powerpoint/2010/main" val="499124770"/>
+        <p14:creationId xmlns:p14="http://schemas.microsoft.com/office/powerpoint/2010/main" val="1806820316"/>
       </p:ext>
     </p:extLst>
   </p:cSld>
@@ -36757,8 +33962,8 @@
         </p:blipFill>
         <p:spPr bwMode="auto">
           <a:xfrm>
-            <a:off x="7463726" y="2455731"/>
-            <a:ext cx="3581217" cy="2900119"/>
+            <a:off x="7767587" y="2578767"/>
+            <a:ext cx="3277356" cy="2654048"/>
           </a:xfrm>
           <a:prstGeom prst="rect">
             <a:avLst/>
@@ -36789,7 +33994,7 @@
         </p:nvSpPr>
         <p:spPr>
           <a:xfrm>
-            <a:off x="10234211" y="4555686"/>
+            <a:off x="10234211" y="4334829"/>
             <a:ext cx="1719743" cy="523220"/>
           </a:xfrm>
           <a:prstGeom prst="rect">
@@ -36869,7 +34074,7 @@
         </p:nvSpPr>
         <p:spPr>
           <a:xfrm>
-            <a:off x="8394464" y="3382571"/>
+            <a:off x="8378462" y="3382571"/>
             <a:ext cx="1719743" cy="523220"/>
           </a:xfrm>
           <a:prstGeom prst="rect">
@@ -37496,7 +34701,7 @@
           <a:p>
             <a:r>
               <a:rPr lang="en-US" dirty="0"/>
-              <a:t>Transparent objects properly:</a:t>
+              <a:t>To render transparent objects properly:</a:t>
             </a:r>
             <a:br>
               <a:rPr lang="en-US" dirty="0"/>
@@ -37656,7 +34861,7 @@
         <p:spPr>
           <a:xfrm>
             <a:off x="113999" y="5895047"/>
-            <a:ext cx="6647527" cy="646331"/>
+            <a:ext cx="6647527" cy="923330"/>
           </a:xfrm>
           <a:prstGeom prst="rect">
             <a:avLst/>
@@ -37678,7 +34883,7 @@
               <a:rPr lang="en-US" dirty="0">
                 <a:latin typeface="Comic Sans MS" panose="030F0702030302020204" pitchFamily="66" charset="0"/>
               </a:rPr>
-              <a:t>Can sort objects by their centroids along the view direction </a:t>
+              <a:t>To render back-to-front, you can sort objects by their centroids along the view direction </a:t>
             </a:r>
           </a:p>
           <a:p>
@@ -37773,7 +34978,7 @@
         </p:blipFill>
         <p:spPr>
           <a:xfrm>
-            <a:off x="1929468" y="1994694"/>
+            <a:off x="1775464" y="2149400"/>
             <a:ext cx="8163930" cy="1068108"/>
           </a:xfrm>
           <a:prstGeom prst="rect">
@@ -38062,7 +35267,19 @@
               <a:rPr lang="en-US" dirty="0">
                 <a:latin typeface="Comic Sans MS" panose="030F0702030302020204" pitchFamily="66" charset="0"/>
               </a:rPr>
-              <a:t>Why was α not computed for the over operator? </a:t>
+              <a:t>Why was α</a:t>
+            </a:r>
+            <a:r>
+              <a:rPr lang="en-US" dirty="0" err="1">
+                <a:latin typeface="Comic Sans MS" panose="030F0702030302020204" pitchFamily="66" charset="0"/>
+              </a:rPr>
+              <a:t>lpha</a:t>
+            </a:r>
+            <a:r>
+              <a:rPr lang="en-US" dirty="0">
+                <a:latin typeface="Comic Sans MS" panose="030F0702030302020204" pitchFamily="66" charset="0"/>
+              </a:rPr>
+              <a:t> not computed for the over operator? </a:t>
             </a:r>
           </a:p>
         </p:txBody>
